--- a/AndrewDuggan_T1A2_Pres.pptx
+++ b/AndrewDuggan_T1A2_Pres.pptx
@@ -4,16 +4,18 @@
   <p:sldMasterIdLst>
     <p:sldMasterId id="2147483648" r:id="rId1"/>
   </p:sldMasterIdLst>
+  <p:notesMasterIdLst>
+    <p:notesMasterId r:id="rId10"/>
+  </p:notesMasterIdLst>
   <p:sldIdLst>
     <p:sldId id="256" r:id="rId2"/>
     <p:sldId id="263" r:id="rId3"/>
     <p:sldId id="257" r:id="rId4"/>
     <p:sldId id="258" r:id="rId5"/>
     <p:sldId id="260" r:id="rId6"/>
-    <p:sldId id="261" r:id="rId7"/>
-    <p:sldId id="262" r:id="rId8"/>
-    <p:sldId id="259" r:id="rId9"/>
-    <p:sldId id="264" r:id="rId10"/>
+    <p:sldId id="262" r:id="rId7"/>
+    <p:sldId id="259" r:id="rId8"/>
+    <p:sldId id="264" r:id="rId9"/>
   </p:sldIdLst>
   <p:sldSz cx="12192000" cy="6858000"/>
   <p:notesSz cx="6858000" cy="9144000"/>
@@ -118,6 +120,737 @@
     </p:ext>
   </p:extLst>
 </p:presentation>
+</file>
+
+<file path=ppt/notesMasters/notesMaster1.xml><?xml version="1.0" encoding="utf-8"?>
+<p:notesMaster xmlns:a="http://schemas.openxmlformats.org/drawingml/2006/main" xmlns:r="http://schemas.openxmlformats.org/officeDocument/2006/relationships" xmlns:p="http://schemas.openxmlformats.org/presentationml/2006/main">
+  <p:cSld>
+    <p:bg>
+      <p:bgRef idx="1001">
+        <a:schemeClr val="bg1"/>
+      </p:bgRef>
+    </p:bg>
+    <p:spTree>
+      <p:nvGrpSpPr>
+        <p:cNvPr id="1" name=""/>
+        <p:cNvGrpSpPr/>
+        <p:nvPr/>
+      </p:nvGrpSpPr>
+      <p:grpSpPr>
+        <a:xfrm>
+          <a:off x="0" y="0"/>
+          <a:ext cx="0" cy="0"/>
+          <a:chOff x="0" y="0"/>
+          <a:chExt cx="0" cy="0"/>
+        </a:xfrm>
+      </p:grpSpPr>
+      <p:sp>
+        <p:nvSpPr>
+          <p:cNvPr id="2" name="Header Placeholder 1"/>
+          <p:cNvSpPr>
+            <a:spLocks noGrp="1"/>
+          </p:cNvSpPr>
+          <p:nvPr>
+            <p:ph type="hdr" sz="quarter"/>
+          </p:nvPr>
+        </p:nvSpPr>
+        <p:spPr>
+          <a:xfrm>
+            <a:off x="0" y="0"/>
+            <a:ext cx="2971800" cy="458788"/>
+          </a:xfrm>
+          <a:prstGeom prst="rect">
+            <a:avLst/>
+          </a:prstGeom>
+        </p:spPr>
+        <p:txBody>
+          <a:bodyPr vert="horz" lIns="91440" tIns="45720" rIns="91440" bIns="45720" rtlCol="0"/>
+          <a:lstStyle>
+            <a:lvl1pPr algn="l">
+              <a:defRPr sz="1200"/>
+            </a:lvl1pPr>
+          </a:lstStyle>
+          <a:p>
+            <a:endParaRPr lang="en-AU"/>
+          </a:p>
+        </p:txBody>
+      </p:sp>
+      <p:sp>
+        <p:nvSpPr>
+          <p:cNvPr id="3" name="Date Placeholder 2"/>
+          <p:cNvSpPr>
+            <a:spLocks noGrp="1"/>
+          </p:cNvSpPr>
+          <p:nvPr>
+            <p:ph type="dt" idx="1"/>
+          </p:nvPr>
+        </p:nvSpPr>
+        <p:spPr>
+          <a:xfrm>
+            <a:off x="3884613" y="0"/>
+            <a:ext cx="2971800" cy="458788"/>
+          </a:xfrm>
+          <a:prstGeom prst="rect">
+            <a:avLst/>
+          </a:prstGeom>
+        </p:spPr>
+        <p:txBody>
+          <a:bodyPr vert="horz" lIns="91440" tIns="45720" rIns="91440" bIns="45720" rtlCol="0"/>
+          <a:lstStyle>
+            <a:lvl1pPr algn="r">
+              <a:defRPr sz="1200"/>
+            </a:lvl1pPr>
+          </a:lstStyle>
+          <a:p>
+            <a:fld id="{1A61ECFC-6DDD-4EE2-80AC-64B1A2317881}" type="datetimeFigureOut">
+              <a:rPr lang="en-AU" smtClean="0"/>
+              <a:t>8/03/2021</a:t>
+            </a:fld>
+            <a:endParaRPr lang="en-AU"/>
+          </a:p>
+        </p:txBody>
+      </p:sp>
+      <p:sp>
+        <p:nvSpPr>
+          <p:cNvPr id="4" name="Slide Image Placeholder 3"/>
+          <p:cNvSpPr>
+            <a:spLocks noGrp="1" noRot="1" noChangeAspect="1"/>
+          </p:cNvSpPr>
+          <p:nvPr>
+            <p:ph type="sldImg" idx="2"/>
+          </p:nvPr>
+        </p:nvSpPr>
+        <p:spPr>
+          <a:xfrm>
+            <a:off x="685800" y="1143000"/>
+            <a:ext cx="5486400" cy="3086100"/>
+          </a:xfrm>
+          <a:prstGeom prst="rect">
+            <a:avLst/>
+          </a:prstGeom>
+          <a:noFill/>
+          <a:ln w="12700">
+            <a:solidFill>
+              <a:prstClr val="black"/>
+            </a:solidFill>
+          </a:ln>
+        </p:spPr>
+        <p:txBody>
+          <a:bodyPr vert="horz" lIns="91440" tIns="45720" rIns="91440" bIns="45720" rtlCol="0" anchor="ctr"/>
+          <a:lstStyle/>
+          <a:p>
+            <a:endParaRPr lang="en-AU"/>
+          </a:p>
+        </p:txBody>
+      </p:sp>
+      <p:sp>
+        <p:nvSpPr>
+          <p:cNvPr id="5" name="Notes Placeholder 4"/>
+          <p:cNvSpPr>
+            <a:spLocks noGrp="1"/>
+          </p:cNvSpPr>
+          <p:nvPr>
+            <p:ph type="body" sz="quarter" idx="3"/>
+          </p:nvPr>
+        </p:nvSpPr>
+        <p:spPr>
+          <a:xfrm>
+            <a:off x="685800" y="4400550"/>
+            <a:ext cx="5486400" cy="3600450"/>
+          </a:xfrm>
+          <a:prstGeom prst="rect">
+            <a:avLst/>
+          </a:prstGeom>
+        </p:spPr>
+        <p:txBody>
+          <a:bodyPr vert="horz" lIns="91440" tIns="45720" rIns="91440" bIns="45720" rtlCol="0"/>
+          <a:lstStyle/>
+          <a:p>
+            <a:pPr lvl="0"/>
+            <a:r>
+              <a:rPr lang="en-US"/>
+              <a:t>Click to edit Master text styles</a:t>
+            </a:r>
+          </a:p>
+          <a:p>
+            <a:pPr lvl="1"/>
+            <a:r>
+              <a:rPr lang="en-US"/>
+              <a:t>Second level</a:t>
+            </a:r>
+          </a:p>
+          <a:p>
+            <a:pPr lvl="2"/>
+            <a:r>
+              <a:rPr lang="en-US"/>
+              <a:t>Third level</a:t>
+            </a:r>
+          </a:p>
+          <a:p>
+            <a:pPr lvl="3"/>
+            <a:r>
+              <a:rPr lang="en-US"/>
+              <a:t>Fourth level</a:t>
+            </a:r>
+          </a:p>
+          <a:p>
+            <a:pPr lvl="4"/>
+            <a:r>
+              <a:rPr lang="en-US"/>
+              <a:t>Fifth level</a:t>
+            </a:r>
+            <a:endParaRPr lang="en-AU"/>
+          </a:p>
+        </p:txBody>
+      </p:sp>
+      <p:sp>
+        <p:nvSpPr>
+          <p:cNvPr id="6" name="Footer Placeholder 5"/>
+          <p:cNvSpPr>
+            <a:spLocks noGrp="1"/>
+          </p:cNvSpPr>
+          <p:nvPr>
+            <p:ph type="ftr" sz="quarter" idx="4"/>
+          </p:nvPr>
+        </p:nvSpPr>
+        <p:spPr>
+          <a:xfrm>
+            <a:off x="0" y="8685213"/>
+            <a:ext cx="2971800" cy="458787"/>
+          </a:xfrm>
+          <a:prstGeom prst="rect">
+            <a:avLst/>
+          </a:prstGeom>
+        </p:spPr>
+        <p:txBody>
+          <a:bodyPr vert="horz" lIns="91440" tIns="45720" rIns="91440" bIns="45720" rtlCol="0" anchor="b"/>
+          <a:lstStyle>
+            <a:lvl1pPr algn="l">
+              <a:defRPr sz="1200"/>
+            </a:lvl1pPr>
+          </a:lstStyle>
+          <a:p>
+            <a:endParaRPr lang="en-AU"/>
+          </a:p>
+        </p:txBody>
+      </p:sp>
+      <p:sp>
+        <p:nvSpPr>
+          <p:cNvPr id="7" name="Slide Number Placeholder 6"/>
+          <p:cNvSpPr>
+            <a:spLocks noGrp="1"/>
+          </p:cNvSpPr>
+          <p:nvPr>
+            <p:ph type="sldNum" sz="quarter" idx="5"/>
+          </p:nvPr>
+        </p:nvSpPr>
+        <p:spPr>
+          <a:xfrm>
+            <a:off x="3884613" y="8685213"/>
+            <a:ext cx="2971800" cy="458787"/>
+          </a:xfrm>
+          <a:prstGeom prst="rect">
+            <a:avLst/>
+          </a:prstGeom>
+        </p:spPr>
+        <p:txBody>
+          <a:bodyPr vert="horz" lIns="91440" tIns="45720" rIns="91440" bIns="45720" rtlCol="0" anchor="b"/>
+          <a:lstStyle>
+            <a:lvl1pPr algn="r">
+              <a:defRPr sz="1200"/>
+            </a:lvl1pPr>
+          </a:lstStyle>
+          <a:p>
+            <a:fld id="{F2CDB635-7B31-431F-89D8-D4EEBB1B30CC}" type="slidenum">
+              <a:rPr lang="en-AU" smtClean="0"/>
+              <a:t>‹#›</a:t>
+            </a:fld>
+            <a:endParaRPr lang="en-AU"/>
+          </a:p>
+        </p:txBody>
+      </p:sp>
+    </p:spTree>
+    <p:extLst>
+      <p:ext uri="{BB962C8B-B14F-4D97-AF65-F5344CB8AC3E}">
+        <p14:creationId xmlns:p14="http://schemas.microsoft.com/office/powerpoint/2010/main" val="3231089393"/>
+      </p:ext>
+    </p:extLst>
+  </p:cSld>
+  <p:clrMap bg1="lt1" tx1="dk1" bg2="lt2" tx2="dk2" accent1="accent1" accent2="accent2" accent3="accent3" accent4="accent4" accent5="accent5" accent6="accent6" hlink="hlink" folHlink="folHlink"/>
+  <p:notesStyle>
+    <a:lvl1pPr marL="0" algn="l" defTabSz="914400" rtl="0" eaLnBrk="1" latinLnBrk="0" hangingPunct="1">
+      <a:defRPr sz="1200" kern="1200">
+        <a:solidFill>
+          <a:schemeClr val="tx1"/>
+        </a:solidFill>
+        <a:latin typeface="+mn-lt"/>
+        <a:ea typeface="+mn-ea"/>
+        <a:cs typeface="+mn-cs"/>
+      </a:defRPr>
+    </a:lvl1pPr>
+    <a:lvl2pPr marL="457200" algn="l" defTabSz="914400" rtl="0" eaLnBrk="1" latinLnBrk="0" hangingPunct="1">
+      <a:defRPr sz="1200" kern="1200">
+        <a:solidFill>
+          <a:schemeClr val="tx1"/>
+        </a:solidFill>
+        <a:latin typeface="+mn-lt"/>
+        <a:ea typeface="+mn-ea"/>
+        <a:cs typeface="+mn-cs"/>
+      </a:defRPr>
+    </a:lvl2pPr>
+    <a:lvl3pPr marL="914400" algn="l" defTabSz="914400" rtl="0" eaLnBrk="1" latinLnBrk="0" hangingPunct="1">
+      <a:defRPr sz="1200" kern="1200">
+        <a:solidFill>
+          <a:schemeClr val="tx1"/>
+        </a:solidFill>
+        <a:latin typeface="+mn-lt"/>
+        <a:ea typeface="+mn-ea"/>
+        <a:cs typeface="+mn-cs"/>
+      </a:defRPr>
+    </a:lvl3pPr>
+    <a:lvl4pPr marL="1371600" algn="l" defTabSz="914400" rtl="0" eaLnBrk="1" latinLnBrk="0" hangingPunct="1">
+      <a:defRPr sz="1200" kern="1200">
+        <a:solidFill>
+          <a:schemeClr val="tx1"/>
+        </a:solidFill>
+        <a:latin typeface="+mn-lt"/>
+        <a:ea typeface="+mn-ea"/>
+        <a:cs typeface="+mn-cs"/>
+      </a:defRPr>
+    </a:lvl4pPr>
+    <a:lvl5pPr marL="1828800" algn="l" defTabSz="914400" rtl="0" eaLnBrk="1" latinLnBrk="0" hangingPunct="1">
+      <a:defRPr sz="1200" kern="1200">
+        <a:solidFill>
+          <a:schemeClr val="tx1"/>
+        </a:solidFill>
+        <a:latin typeface="+mn-lt"/>
+        <a:ea typeface="+mn-ea"/>
+        <a:cs typeface="+mn-cs"/>
+      </a:defRPr>
+    </a:lvl5pPr>
+    <a:lvl6pPr marL="2286000" algn="l" defTabSz="914400" rtl="0" eaLnBrk="1" latinLnBrk="0" hangingPunct="1">
+      <a:defRPr sz="1200" kern="1200">
+        <a:solidFill>
+          <a:schemeClr val="tx1"/>
+        </a:solidFill>
+        <a:latin typeface="+mn-lt"/>
+        <a:ea typeface="+mn-ea"/>
+        <a:cs typeface="+mn-cs"/>
+      </a:defRPr>
+    </a:lvl6pPr>
+    <a:lvl7pPr marL="2743200" algn="l" defTabSz="914400" rtl="0" eaLnBrk="1" latinLnBrk="0" hangingPunct="1">
+      <a:defRPr sz="1200" kern="1200">
+        <a:solidFill>
+          <a:schemeClr val="tx1"/>
+        </a:solidFill>
+        <a:latin typeface="+mn-lt"/>
+        <a:ea typeface="+mn-ea"/>
+        <a:cs typeface="+mn-cs"/>
+      </a:defRPr>
+    </a:lvl7pPr>
+    <a:lvl8pPr marL="3200400" algn="l" defTabSz="914400" rtl="0" eaLnBrk="1" latinLnBrk="0" hangingPunct="1">
+      <a:defRPr sz="1200" kern="1200">
+        <a:solidFill>
+          <a:schemeClr val="tx1"/>
+        </a:solidFill>
+        <a:latin typeface="+mn-lt"/>
+        <a:ea typeface="+mn-ea"/>
+        <a:cs typeface="+mn-cs"/>
+      </a:defRPr>
+    </a:lvl8pPr>
+    <a:lvl9pPr marL="3657600" algn="l" defTabSz="914400" rtl="0" eaLnBrk="1" latinLnBrk="0" hangingPunct="1">
+      <a:defRPr sz="1200" kern="1200">
+        <a:solidFill>
+          <a:schemeClr val="tx1"/>
+        </a:solidFill>
+        <a:latin typeface="+mn-lt"/>
+        <a:ea typeface="+mn-ea"/>
+        <a:cs typeface="+mn-cs"/>
+      </a:defRPr>
+    </a:lvl9pPr>
+  </p:notesStyle>
+</p:notesMaster>
+</file>
+
+<file path=ppt/notesSlides/notesSlide1.xml><?xml version="1.0" encoding="utf-8"?>
+<p:notes xmlns:a="http://schemas.openxmlformats.org/drawingml/2006/main" xmlns:r="http://schemas.openxmlformats.org/officeDocument/2006/relationships" xmlns:p="http://schemas.openxmlformats.org/presentationml/2006/main">
+  <p:cSld>
+    <p:spTree>
+      <p:nvGrpSpPr>
+        <p:cNvPr id="1" name=""/>
+        <p:cNvGrpSpPr/>
+        <p:nvPr/>
+      </p:nvGrpSpPr>
+      <p:grpSpPr>
+        <a:xfrm>
+          <a:off x="0" y="0"/>
+          <a:ext cx="0" cy="0"/>
+          <a:chOff x="0" y="0"/>
+          <a:chExt cx="0" cy="0"/>
+        </a:xfrm>
+      </p:grpSpPr>
+      <p:sp>
+        <p:nvSpPr>
+          <p:cNvPr id="2" name="Slide Image Placeholder 1"/>
+          <p:cNvSpPr>
+            <a:spLocks noGrp="1" noRot="1" noChangeAspect="1"/>
+          </p:cNvSpPr>
+          <p:nvPr>
+            <p:ph type="sldImg"/>
+          </p:nvPr>
+        </p:nvSpPr>
+        <p:spPr/>
+      </p:sp>
+      <p:sp>
+        <p:nvSpPr>
+          <p:cNvPr id="3" name="Notes Placeholder 2"/>
+          <p:cNvSpPr>
+            <a:spLocks noGrp="1"/>
+          </p:cNvSpPr>
+          <p:nvPr>
+            <p:ph type="body" idx="1"/>
+          </p:nvPr>
+        </p:nvSpPr>
+        <p:spPr/>
+        <p:txBody>
+          <a:bodyPr/>
+          <a:lstStyle/>
+          <a:p>
+            <a:r>
+              <a:rPr lang="en-US" dirty="0"/>
+              <a:t>- The aim of this website is to demonstrate my skills in web design and act as an online CV</a:t>
+            </a:r>
+          </a:p>
+          <a:p>
+            <a:pPr marL="171450" indent="-171450">
+              <a:buFontTx/>
+              <a:buChar char="-"/>
+            </a:pPr>
+            <a:r>
+              <a:rPr lang="en-US" dirty="0"/>
+              <a:t>The simplistic style will be reminiscent of the  fast loading times of google.com</a:t>
+            </a:r>
+          </a:p>
+          <a:p>
+            <a:pPr marL="171450" indent="-171450">
+              <a:buFontTx/>
+              <a:buChar char="-"/>
+            </a:pPr>
+            <a:r>
+              <a:rPr lang="en-US" dirty="0"/>
+              <a:t>Accessibility is key to gaining a wider base. Blind, Deaf, </a:t>
+            </a:r>
+            <a:r>
+              <a:rPr lang="en-US" dirty="0" err="1"/>
+              <a:t>Colour</a:t>
+            </a:r>
+            <a:r>
+              <a:rPr lang="en-US" dirty="0"/>
+              <a:t> Blind and Dyslexic users do not need to shy away from the internet if the way is paved for them.</a:t>
+            </a:r>
+          </a:p>
+          <a:p>
+            <a:endParaRPr lang="en-AU" dirty="0"/>
+          </a:p>
+        </p:txBody>
+      </p:sp>
+      <p:sp>
+        <p:nvSpPr>
+          <p:cNvPr id="4" name="Slide Number Placeholder 3"/>
+          <p:cNvSpPr>
+            <a:spLocks noGrp="1"/>
+          </p:cNvSpPr>
+          <p:nvPr>
+            <p:ph type="sldNum" sz="quarter" idx="5"/>
+          </p:nvPr>
+        </p:nvSpPr>
+        <p:spPr/>
+        <p:txBody>
+          <a:bodyPr/>
+          <a:lstStyle/>
+          <a:p>
+            <a:fld id="{F2CDB635-7B31-431F-89D8-D4EEBB1B30CC}" type="slidenum">
+              <a:rPr lang="en-AU" smtClean="0"/>
+              <a:t>2</a:t>
+            </a:fld>
+            <a:endParaRPr lang="en-AU"/>
+          </a:p>
+        </p:txBody>
+      </p:sp>
+    </p:spTree>
+    <p:extLst>
+      <p:ext uri="{BB962C8B-B14F-4D97-AF65-F5344CB8AC3E}">
+        <p14:creationId xmlns:p14="http://schemas.microsoft.com/office/powerpoint/2010/main" val="2857683147"/>
+      </p:ext>
+    </p:extLst>
+  </p:cSld>
+  <p:clrMapOvr>
+    <a:masterClrMapping/>
+  </p:clrMapOvr>
+</p:notes>
+</file>
+
+<file path=ppt/notesSlides/notesSlide2.xml><?xml version="1.0" encoding="utf-8"?>
+<p:notes xmlns:a="http://schemas.openxmlformats.org/drawingml/2006/main" xmlns:r="http://schemas.openxmlformats.org/officeDocument/2006/relationships" xmlns:p="http://schemas.openxmlformats.org/presentationml/2006/main">
+  <p:cSld>
+    <p:spTree>
+      <p:nvGrpSpPr>
+        <p:cNvPr id="1" name=""/>
+        <p:cNvGrpSpPr/>
+        <p:nvPr/>
+      </p:nvGrpSpPr>
+      <p:grpSpPr>
+        <a:xfrm>
+          <a:off x="0" y="0"/>
+          <a:ext cx="0" cy="0"/>
+          <a:chOff x="0" y="0"/>
+          <a:chExt cx="0" cy="0"/>
+        </a:xfrm>
+      </p:grpSpPr>
+      <p:sp>
+        <p:nvSpPr>
+          <p:cNvPr id="2" name="Slide Image Placeholder 1"/>
+          <p:cNvSpPr>
+            <a:spLocks noGrp="1" noRot="1" noChangeAspect="1"/>
+          </p:cNvSpPr>
+          <p:nvPr>
+            <p:ph type="sldImg"/>
+          </p:nvPr>
+        </p:nvSpPr>
+        <p:spPr/>
+      </p:sp>
+      <p:sp>
+        <p:nvSpPr>
+          <p:cNvPr id="3" name="Notes Placeholder 2"/>
+          <p:cNvSpPr>
+            <a:spLocks noGrp="1"/>
+          </p:cNvSpPr>
+          <p:nvPr>
+            <p:ph type="body" idx="1"/>
+          </p:nvPr>
+        </p:nvSpPr>
+        <p:spPr/>
+        <p:txBody>
+          <a:bodyPr/>
+          <a:lstStyle/>
+          <a:p>
+            <a:r>
+              <a:rPr lang="en-US" dirty="0"/>
+              <a:t>The site will have four webpages linked via the navbar</a:t>
+            </a:r>
+          </a:p>
+          <a:p>
+            <a:r>
+              <a:rPr lang="en-US"/>
+              <a:t>The active </a:t>
+            </a:r>
+            <a:r>
+              <a:rPr lang="en-US" dirty="0"/>
+              <a:t>website will have the </a:t>
+            </a:r>
+            <a:r>
+              <a:rPr lang="en-US"/>
+              <a:t>link enlarged</a:t>
+            </a:r>
+            <a:endParaRPr lang="en-AU" dirty="0"/>
+          </a:p>
+        </p:txBody>
+      </p:sp>
+      <p:sp>
+        <p:nvSpPr>
+          <p:cNvPr id="4" name="Slide Number Placeholder 3"/>
+          <p:cNvSpPr>
+            <a:spLocks noGrp="1"/>
+          </p:cNvSpPr>
+          <p:nvPr>
+            <p:ph type="sldNum" sz="quarter" idx="5"/>
+          </p:nvPr>
+        </p:nvSpPr>
+        <p:spPr/>
+        <p:txBody>
+          <a:bodyPr/>
+          <a:lstStyle/>
+          <a:p>
+            <a:fld id="{F2CDB635-7B31-431F-89D8-D4EEBB1B30CC}" type="slidenum">
+              <a:rPr lang="en-AU" smtClean="0"/>
+              <a:t>3</a:t>
+            </a:fld>
+            <a:endParaRPr lang="en-AU"/>
+          </a:p>
+        </p:txBody>
+      </p:sp>
+    </p:spTree>
+    <p:extLst>
+      <p:ext uri="{BB962C8B-B14F-4D97-AF65-F5344CB8AC3E}">
+        <p14:creationId xmlns:p14="http://schemas.microsoft.com/office/powerpoint/2010/main" val="2582839509"/>
+      </p:ext>
+    </p:extLst>
+  </p:cSld>
+  <p:clrMapOvr>
+    <a:masterClrMapping/>
+  </p:clrMapOvr>
+</p:notes>
+</file>
+
+<file path=ppt/notesSlides/notesSlide3.xml><?xml version="1.0" encoding="utf-8"?>
+<p:notes xmlns:a="http://schemas.openxmlformats.org/drawingml/2006/main" xmlns:r="http://schemas.openxmlformats.org/officeDocument/2006/relationships" xmlns:p="http://schemas.openxmlformats.org/presentationml/2006/main">
+  <p:cSld>
+    <p:spTree>
+      <p:nvGrpSpPr>
+        <p:cNvPr id="1" name=""/>
+        <p:cNvGrpSpPr/>
+        <p:nvPr/>
+      </p:nvGrpSpPr>
+      <p:grpSpPr>
+        <a:xfrm>
+          <a:off x="0" y="0"/>
+          <a:ext cx="0" cy="0"/>
+          <a:chOff x="0" y="0"/>
+          <a:chExt cx="0" cy="0"/>
+        </a:xfrm>
+      </p:grpSpPr>
+      <p:sp>
+        <p:nvSpPr>
+          <p:cNvPr id="2" name="Slide Image Placeholder 1"/>
+          <p:cNvSpPr>
+            <a:spLocks noGrp="1" noRot="1" noChangeAspect="1"/>
+          </p:cNvSpPr>
+          <p:nvPr>
+            <p:ph type="sldImg"/>
+          </p:nvPr>
+        </p:nvSpPr>
+        <p:spPr/>
+      </p:sp>
+      <p:sp>
+        <p:nvSpPr>
+          <p:cNvPr id="3" name="Notes Placeholder 2"/>
+          <p:cNvSpPr>
+            <a:spLocks noGrp="1"/>
+          </p:cNvSpPr>
+          <p:nvPr>
+            <p:ph type="body" idx="1"/>
+          </p:nvPr>
+        </p:nvSpPr>
+        <p:spPr/>
+        <p:txBody>
+          <a:bodyPr/>
+          <a:lstStyle/>
+          <a:p>
+            <a:pPr marL="0" marR="0" lvl="0" indent="0" algn="l" defTabSz="914400" rtl="0" eaLnBrk="1" fontAlgn="auto" latinLnBrk="0" hangingPunct="1">
+              <a:lnSpc>
+                <a:spcPct val="100000"/>
+              </a:lnSpc>
+              <a:spcBef>
+                <a:spcPts val="0"/>
+              </a:spcBef>
+              <a:spcAft>
+                <a:spcPts val="0"/>
+              </a:spcAft>
+              <a:buClrTx/>
+              <a:buSzTx/>
+              <a:buFontTx/>
+              <a:buNone/>
+              <a:tabLst/>
+              <a:defRPr/>
+            </a:pPr>
+            <a:r>
+              <a:rPr lang="en-AU" dirty="0"/>
+              <a:t>Nav Bar – expanding on the mobile, LHS for tablet and PC</a:t>
+            </a:r>
+          </a:p>
+          <a:p>
+            <a:pPr marL="0" marR="0" lvl="0" indent="0" algn="l" defTabSz="914400" rtl="0" eaLnBrk="1" fontAlgn="auto" latinLnBrk="0" hangingPunct="1">
+              <a:lnSpc>
+                <a:spcPct val="100000"/>
+              </a:lnSpc>
+              <a:spcBef>
+                <a:spcPts val="0"/>
+              </a:spcBef>
+              <a:spcAft>
+                <a:spcPts val="0"/>
+              </a:spcAft>
+              <a:buClrTx/>
+              <a:buSzTx/>
+              <a:buFontTx/>
+              <a:buNone/>
+              <a:tabLst/>
+              <a:defRPr/>
+            </a:pPr>
+            <a:r>
+              <a:rPr lang="en-US" dirty="0"/>
+              <a:t>Photo ID – Photo of Andrew Duggan</a:t>
+            </a:r>
+          </a:p>
+          <a:p>
+            <a:pPr marL="0" marR="0" lvl="0" indent="0" algn="l" defTabSz="914400" rtl="0" eaLnBrk="1" fontAlgn="auto" latinLnBrk="0" hangingPunct="1">
+              <a:lnSpc>
+                <a:spcPct val="100000"/>
+              </a:lnSpc>
+              <a:spcBef>
+                <a:spcPts val="0"/>
+              </a:spcBef>
+              <a:spcAft>
+                <a:spcPts val="0"/>
+              </a:spcAft>
+              <a:buClrTx/>
+              <a:buSzTx/>
+              <a:buFontTx/>
+              <a:buNone/>
+              <a:tabLst/>
+              <a:defRPr/>
+            </a:pPr>
+            <a:r>
+              <a:rPr lang="en-AU" dirty="0"/>
+              <a:t>Adapting Behaviour and </a:t>
+            </a:r>
+            <a:r>
+              <a:rPr lang="en-AU" dirty="0" err="1"/>
+              <a:t>TickIt</a:t>
+            </a:r>
+            <a:r>
+              <a:rPr lang="en-AU" dirty="0"/>
+              <a:t> Solutions logo’s for the companies that I work for</a:t>
+            </a:r>
+          </a:p>
+          <a:p>
+            <a:endParaRPr lang="en-AU" dirty="0"/>
+          </a:p>
+        </p:txBody>
+      </p:sp>
+      <p:sp>
+        <p:nvSpPr>
+          <p:cNvPr id="4" name="Slide Number Placeholder 3"/>
+          <p:cNvSpPr>
+            <a:spLocks noGrp="1"/>
+          </p:cNvSpPr>
+          <p:nvPr>
+            <p:ph type="sldNum" sz="quarter" idx="5"/>
+          </p:nvPr>
+        </p:nvSpPr>
+        <p:spPr/>
+        <p:txBody>
+          <a:bodyPr/>
+          <a:lstStyle/>
+          <a:p>
+            <a:fld id="{F2CDB635-7B31-431F-89D8-D4EEBB1B30CC}" type="slidenum">
+              <a:rPr lang="en-AU" smtClean="0"/>
+              <a:t>8</a:t>
+            </a:fld>
+            <a:endParaRPr lang="en-AU"/>
+          </a:p>
+        </p:txBody>
+      </p:sp>
+    </p:spTree>
+    <p:extLst>
+      <p:ext uri="{BB962C8B-B14F-4D97-AF65-F5344CB8AC3E}">
+        <p14:creationId xmlns:p14="http://schemas.microsoft.com/office/powerpoint/2010/main" val="136375195"/>
+      </p:ext>
+    </p:extLst>
+  </p:cSld>
+  <p:clrMapOvr>
+    <a:masterClrMapping/>
+  </p:clrMapOvr>
+</p:notes>
 </file>
 
 <file path=ppt/slideLayouts/slideLayout1.xml><?xml version="1.0" encoding="utf-8"?>
@@ -3496,10 +4229,30 @@
           <a:p>
             <a:r>
               <a:rPr lang="en-US" dirty="0"/>
-              <a:t>The aim of this website will be to demonstrate my skills in web design and act as an online CV</a:t>
-            </a:r>
-          </a:p>
-          <a:p>
+              <a:t>Online CV</a:t>
+            </a:r>
+          </a:p>
+          <a:p>
+            <a:endParaRPr lang="en-US" dirty="0"/>
+          </a:p>
+          <a:p>
+            <a:r>
+              <a:rPr lang="en-US" dirty="0" err="1"/>
+              <a:t>Symplistic</a:t>
+            </a:r>
+            <a:r>
+              <a:rPr lang="en-US" dirty="0"/>
+              <a:t> style = fast loading times</a:t>
+            </a:r>
+          </a:p>
+          <a:p>
+            <a:endParaRPr lang="en-US" dirty="0"/>
+          </a:p>
+          <a:p>
+            <a:r>
+              <a:rPr lang="en-US" dirty="0"/>
+              <a:t>Accessibility is key</a:t>
+            </a:r>
             <a:endParaRPr lang="en-AU" dirty="0"/>
           </a:p>
         </p:txBody>
@@ -3582,7 +4335,7 @@
         </p:nvSpPr>
         <p:spPr>
           <a:xfrm>
-            <a:off x="5275868" y="2284428"/>
+            <a:off x="5269519" y="2284427"/>
             <a:ext cx="1640264" cy="801278"/>
           </a:xfrm>
           <a:prstGeom prst="rect">
@@ -3643,7 +4396,7 @@
         </p:nvSpPr>
         <p:spPr>
           <a:xfrm>
-            <a:off x="1514572" y="3772294"/>
+            <a:off x="2225759" y="3772692"/>
             <a:ext cx="1640264" cy="801278"/>
           </a:xfrm>
           <a:prstGeom prst="rect">
@@ -3692,10 +4445,10 @@
       </p:sp>
       <p:sp>
         <p:nvSpPr>
-          <p:cNvPr id="8" name="Rectangle 7">
-            <a:extLst>
-              <a:ext uri="{FF2B5EF4-FFF2-40B4-BE49-F238E27FC236}">
-                <a16:creationId xmlns:a16="http://schemas.microsoft.com/office/drawing/2014/main" id="{56204E95-1169-4050-B5F1-CAD1F1534B15}"/>
+          <p:cNvPr id="9" name="Rectangle 8">
+            <a:extLst>
+              <a:ext uri="{FF2B5EF4-FFF2-40B4-BE49-F238E27FC236}">
+                <a16:creationId xmlns:a16="http://schemas.microsoft.com/office/drawing/2014/main" id="{5F633B4E-64EE-43B6-8E1C-B74744663776}"/>
               </a:ext>
             </a:extLst>
           </p:cNvPr>
@@ -3704,7 +4457,7 @@
         </p:nvSpPr>
         <p:spPr>
           <a:xfrm>
-            <a:off x="4022102" y="3772294"/>
+            <a:off x="5269519" y="3772692"/>
             <a:ext cx="1640264" cy="801278"/>
           </a:xfrm>
           <a:prstGeom prst="rect">
@@ -3741,7 +4494,7 @@
                   <a:schemeClr val="tx1"/>
                 </a:solidFill>
               </a:rPr>
-              <a:t>My History</a:t>
+              <a:t>My Blog</a:t>
             </a:r>
             <a:endParaRPr lang="en-AU" dirty="0">
               <a:solidFill>
@@ -3753,10 +4506,10 @@
       </p:sp>
       <p:sp>
         <p:nvSpPr>
-          <p:cNvPr id="9" name="Rectangle 8">
-            <a:extLst>
-              <a:ext uri="{FF2B5EF4-FFF2-40B4-BE49-F238E27FC236}">
-                <a16:creationId xmlns:a16="http://schemas.microsoft.com/office/drawing/2014/main" id="{5F633B4E-64EE-43B6-8E1C-B74744663776}"/>
+          <p:cNvPr id="10" name="Rectangle 9">
+            <a:extLst>
+              <a:ext uri="{FF2B5EF4-FFF2-40B4-BE49-F238E27FC236}">
+                <a16:creationId xmlns:a16="http://schemas.microsoft.com/office/drawing/2014/main" id="{6B362898-D8F3-478E-9695-D60C85C3CDFB}"/>
               </a:ext>
             </a:extLst>
           </p:cNvPr>
@@ -3765,7 +4518,7 @@
         </p:nvSpPr>
         <p:spPr>
           <a:xfrm>
-            <a:off x="6529632" y="3772294"/>
+            <a:off x="8313279" y="3772692"/>
             <a:ext cx="1640264" cy="801278"/>
           </a:xfrm>
           <a:prstGeom prst="rect">
@@ -3802,7 +4555,7 @@
                   <a:schemeClr val="tx1"/>
                 </a:solidFill>
               </a:rPr>
-              <a:t>My Blog</a:t>
+              <a:t>Contact me</a:t>
             </a:r>
             <a:endParaRPr lang="en-AU" dirty="0">
               <a:solidFill>
@@ -3812,86 +4565,64 @@
           </a:p>
         </p:txBody>
       </p:sp>
-      <p:sp>
-        <p:nvSpPr>
-          <p:cNvPr id="10" name="Rectangle 9">
-            <a:extLst>
-              <a:ext uri="{FF2B5EF4-FFF2-40B4-BE49-F238E27FC236}">
-                <a16:creationId xmlns:a16="http://schemas.microsoft.com/office/drawing/2014/main" id="{6B362898-D8F3-478E-9695-D60C85C3CDFB}"/>
-              </a:ext>
-            </a:extLst>
-          </p:cNvPr>
-          <p:cNvSpPr/>
-          <p:nvPr/>
-        </p:nvSpPr>
-        <p:spPr>
-          <a:xfrm>
-            <a:off x="9037162" y="3773866"/>
-            <a:ext cx="1640264" cy="801278"/>
-          </a:xfrm>
-          <a:prstGeom prst="rect">
-            <a:avLst/>
-          </a:prstGeom>
-          <a:solidFill>
-            <a:schemeClr val="bg1"/>
-          </a:solidFill>
-        </p:spPr>
-        <p:style>
-          <a:lnRef idx="2">
-            <a:schemeClr val="dk1">
-              <a:shade val="50000"/>
-            </a:schemeClr>
-          </a:lnRef>
-          <a:fillRef idx="1">
-            <a:schemeClr val="dk1"/>
-          </a:fillRef>
-          <a:effectRef idx="0">
-            <a:schemeClr val="dk1"/>
-          </a:effectRef>
-          <a:fontRef idx="minor">
-            <a:schemeClr val="lt1"/>
-          </a:fontRef>
-        </p:style>
-        <p:txBody>
-          <a:bodyPr rtlCol="0" anchor="ctr"/>
-          <a:lstStyle/>
-          <a:p>
-            <a:pPr algn="ctr"/>
-            <a:r>
-              <a:rPr lang="en-US" dirty="0">
-                <a:solidFill>
-                  <a:schemeClr val="tx1"/>
-                </a:solidFill>
-              </a:rPr>
-              <a:t>Contact me</a:t>
-            </a:r>
-            <a:endParaRPr lang="en-AU" dirty="0">
-              <a:solidFill>
-                <a:schemeClr val="tx1"/>
-              </a:solidFill>
-            </a:endParaRPr>
-          </a:p>
-        </p:txBody>
-      </p:sp>
       <p:cxnSp>
         <p:nvCxnSpPr>
-          <p:cNvPr id="21" name="Connector: Elbow 20">
-            <a:extLst>
-              <a:ext uri="{FF2B5EF4-FFF2-40B4-BE49-F238E27FC236}">
-                <a16:creationId xmlns:a16="http://schemas.microsoft.com/office/drawing/2014/main" id="{E890050B-EEDD-41E1-A86E-66E1E53B84DE}"/>
+          <p:cNvPr id="24" name="Straight Connector 23">
+            <a:extLst>
+              <a:ext uri="{FF2B5EF4-FFF2-40B4-BE49-F238E27FC236}">
+                <a16:creationId xmlns:a16="http://schemas.microsoft.com/office/drawing/2014/main" id="{AC0CEBE8-EFA9-40A7-BA8C-89A73EF3DB14}"/>
               </a:ext>
             </a:extLst>
           </p:cNvPr>
           <p:cNvCxnSpPr>
             <a:stCxn id="5" idx="2"/>
-            <a:endCxn id="7" idx="0"/>
+            <a:endCxn id="9" idx="0"/>
           </p:cNvCxnSpPr>
           <p:nvPr/>
         </p:nvCxnSpPr>
         <p:spPr>
-          <a:xfrm rot="5400000">
-            <a:off x="3872058" y="1548352"/>
-            <a:ext cx="686588" cy="3761296"/>
+          <a:xfrm>
+            <a:off x="6089651" y="3085705"/>
+            <a:ext cx="0" cy="686987"/>
+          </a:xfrm>
+          <a:prstGeom prst="line">
+            <a:avLst/>
+          </a:prstGeom>
+        </p:spPr>
+        <p:style>
+          <a:lnRef idx="1">
+            <a:schemeClr val="accent1"/>
+          </a:lnRef>
+          <a:fillRef idx="0">
+            <a:schemeClr val="accent1"/>
+          </a:fillRef>
+          <a:effectRef idx="0">
+            <a:schemeClr val="accent1"/>
+          </a:effectRef>
+          <a:fontRef idx="minor">
+            <a:schemeClr val="tx1"/>
+          </a:fontRef>
+        </p:style>
+      </p:cxnSp>
+      <p:cxnSp>
+        <p:nvCxnSpPr>
+          <p:cNvPr id="31" name="Connector: Elbow 30">
+            <a:extLst>
+              <a:ext uri="{FF2B5EF4-FFF2-40B4-BE49-F238E27FC236}">
+                <a16:creationId xmlns:a16="http://schemas.microsoft.com/office/drawing/2014/main" id="{ACD0594A-BA7C-4F93-BD34-28759EC627F8}"/>
+              </a:ext>
+            </a:extLst>
+          </p:cNvPr>
+          <p:cNvCxnSpPr>
+            <a:stCxn id="5" idx="2"/>
+            <a:endCxn id="10" idx="0"/>
+          </p:cNvCxnSpPr>
+          <p:nvPr/>
+        </p:nvCxnSpPr>
+        <p:spPr>
+          <a:xfrm rot="16200000" flipH="1">
+            <a:off x="7268038" y="1907318"/>
+            <a:ext cx="686987" cy="3043760"/>
           </a:xfrm>
           <a:prstGeom prst="bentConnector3">
             <a:avLst/>
@@ -3914,101 +4645,23 @@
       </p:cxnSp>
       <p:cxnSp>
         <p:nvCxnSpPr>
-          <p:cNvPr id="23" name="Connector: Elbow 22">
-            <a:extLst>
-              <a:ext uri="{FF2B5EF4-FFF2-40B4-BE49-F238E27FC236}">
-                <a16:creationId xmlns:a16="http://schemas.microsoft.com/office/drawing/2014/main" id="{7E588C8F-34EC-49D7-A3AE-F6A04B8E9732}"/>
+          <p:cNvPr id="33" name="Connector: Elbow 32">
+            <a:extLst>
+              <a:ext uri="{FF2B5EF4-FFF2-40B4-BE49-F238E27FC236}">
+                <a16:creationId xmlns:a16="http://schemas.microsoft.com/office/drawing/2014/main" id="{5B302653-3DA0-47D6-90D0-14CA75C973E0}"/>
               </a:ext>
             </a:extLst>
           </p:cNvPr>
           <p:cNvCxnSpPr>
             <a:stCxn id="5" idx="2"/>
-            <a:endCxn id="8" idx="0"/>
+            <a:endCxn id="7" idx="0"/>
           </p:cNvCxnSpPr>
           <p:nvPr/>
         </p:nvCxnSpPr>
         <p:spPr>
           <a:xfrm rot="5400000">
-            <a:off x="5125823" y="2802117"/>
-            <a:ext cx="686588" cy="1253766"/>
-          </a:xfrm>
-          <a:prstGeom prst="bentConnector3">
-            <a:avLst/>
-          </a:prstGeom>
-        </p:spPr>
-        <p:style>
-          <a:lnRef idx="1">
-            <a:schemeClr val="accent1"/>
-          </a:lnRef>
-          <a:fillRef idx="0">
-            <a:schemeClr val="accent1"/>
-          </a:fillRef>
-          <a:effectRef idx="0">
-            <a:schemeClr val="accent1"/>
-          </a:effectRef>
-          <a:fontRef idx="minor">
-            <a:schemeClr val="tx1"/>
-          </a:fontRef>
-        </p:style>
-      </p:cxnSp>
-      <p:cxnSp>
-        <p:nvCxnSpPr>
-          <p:cNvPr id="25" name="Connector: Elbow 24">
-            <a:extLst>
-              <a:ext uri="{FF2B5EF4-FFF2-40B4-BE49-F238E27FC236}">
-                <a16:creationId xmlns:a16="http://schemas.microsoft.com/office/drawing/2014/main" id="{D43A05C4-98A9-45B5-BF0F-E356674C4AB0}"/>
-              </a:ext>
-            </a:extLst>
-          </p:cNvPr>
-          <p:cNvCxnSpPr>
-            <a:stCxn id="5" idx="2"/>
-            <a:endCxn id="9" idx="0"/>
-          </p:cNvCxnSpPr>
-          <p:nvPr/>
-        </p:nvCxnSpPr>
-        <p:spPr>
-          <a:xfrm rot="16200000" flipH="1">
-            <a:off x="6379588" y="2802118"/>
-            <a:ext cx="686588" cy="1253764"/>
-          </a:xfrm>
-          <a:prstGeom prst="bentConnector3">
-            <a:avLst/>
-          </a:prstGeom>
-        </p:spPr>
-        <p:style>
-          <a:lnRef idx="1">
-            <a:schemeClr val="accent1"/>
-          </a:lnRef>
-          <a:fillRef idx="0">
-            <a:schemeClr val="accent1"/>
-          </a:fillRef>
-          <a:effectRef idx="0">
-            <a:schemeClr val="accent1"/>
-          </a:effectRef>
-          <a:fontRef idx="minor">
-            <a:schemeClr val="tx1"/>
-          </a:fontRef>
-        </p:style>
-      </p:cxnSp>
-      <p:cxnSp>
-        <p:nvCxnSpPr>
-          <p:cNvPr id="27" name="Connector: Elbow 26">
-            <a:extLst>
-              <a:ext uri="{FF2B5EF4-FFF2-40B4-BE49-F238E27FC236}">
-                <a16:creationId xmlns:a16="http://schemas.microsoft.com/office/drawing/2014/main" id="{B30A1D61-B544-45BE-880E-958C28967110}"/>
-              </a:ext>
-            </a:extLst>
-          </p:cNvPr>
-          <p:cNvCxnSpPr>
-            <a:stCxn id="5" idx="2"/>
-            <a:endCxn id="10" idx="0"/>
-          </p:cNvCxnSpPr>
-          <p:nvPr/>
-        </p:nvCxnSpPr>
-        <p:spPr>
-          <a:xfrm rot="16200000" flipH="1">
-            <a:off x="7632567" y="1549139"/>
-            <a:ext cx="688160" cy="3761294"/>
+            <a:off x="4224278" y="1907318"/>
+            <a:ext cx="686987" cy="3043760"/>
           </a:xfrm>
           <a:prstGeom prst="bentConnector3">
             <a:avLst/>
@@ -4089,153 +4742,42 @@
           </a:p>
         </p:txBody>
       </p:sp>
-      <p:sp>
-        <p:nvSpPr>
-          <p:cNvPr id="4" name="Rectangle 3">
-            <a:extLst>
-              <a:ext uri="{FF2B5EF4-FFF2-40B4-BE49-F238E27FC236}">
-                <a16:creationId xmlns:a16="http://schemas.microsoft.com/office/drawing/2014/main" id="{A84D8868-0E4D-4D25-BEB6-64357A0B6529}"/>
-              </a:ext>
-            </a:extLst>
-          </p:cNvPr>
-          <p:cNvSpPr/>
+      <p:pic>
+        <p:nvPicPr>
+          <p:cNvPr id="15" name="Picture 14" descr="Graphical user interface, text&#10;&#10;Description automatically generated">
+            <a:extLst>
+              <a:ext uri="{FF2B5EF4-FFF2-40B4-BE49-F238E27FC236}">
+                <a16:creationId xmlns:a16="http://schemas.microsoft.com/office/drawing/2014/main" id="{B22DAE19-A596-4F6F-A44F-06428EA27216}"/>
+              </a:ext>
+            </a:extLst>
+          </p:cNvPr>
+          <p:cNvPicPr>
+            <a:picLocks noChangeAspect="1"/>
+          </p:cNvPicPr>
           <p:nvPr/>
-        </p:nvSpPr>
+        </p:nvPicPr>
+        <p:blipFill>
+          <a:blip r:embed="rId2">
+            <a:extLst>
+              <a:ext uri="{28A0092B-C50C-407E-A947-70E740481C1C}">
+                <a14:useLocalDpi xmlns:a14="http://schemas.microsoft.com/office/drawing/2010/main" val="0"/>
+              </a:ext>
+            </a:extLst>
+          </a:blip>
+          <a:stretch>
+            <a:fillRect/>
+          </a:stretch>
+        </p:blipFill>
         <p:spPr>
           <a:xfrm>
-            <a:off x="838200" y="1690688"/>
-            <a:ext cx="2395960" cy="3565003"/>
+            <a:off x="301017" y="1644333"/>
+            <a:ext cx="11589965" cy="4500000"/>
           </a:xfrm>
           <a:prstGeom prst="rect">
             <a:avLst/>
           </a:prstGeom>
-          <a:solidFill>
-            <a:schemeClr val="bg1"/>
-          </a:solidFill>
         </p:spPr>
-        <p:style>
-          <a:lnRef idx="2">
-            <a:schemeClr val="accent1">
-              <a:shade val="50000"/>
-            </a:schemeClr>
-          </a:lnRef>
-          <a:fillRef idx="1">
-            <a:schemeClr val="accent1"/>
-          </a:fillRef>
-          <a:effectRef idx="0">
-            <a:schemeClr val="accent1"/>
-          </a:effectRef>
-          <a:fontRef idx="minor">
-            <a:schemeClr val="lt1"/>
-          </a:fontRef>
-        </p:style>
-        <p:txBody>
-          <a:bodyPr rtlCol="0" anchor="ctr"/>
-          <a:lstStyle/>
-          <a:p>
-            <a:pPr algn="ctr"/>
-            <a:endParaRPr lang="en-AU"/>
-          </a:p>
-        </p:txBody>
-      </p:sp>
-      <p:sp>
-        <p:nvSpPr>
-          <p:cNvPr id="5" name="Rectangle 4">
-            <a:extLst>
-              <a:ext uri="{FF2B5EF4-FFF2-40B4-BE49-F238E27FC236}">
-                <a16:creationId xmlns:a16="http://schemas.microsoft.com/office/drawing/2014/main" id="{0C0BD428-DA3A-4B4D-B443-259BA884969F}"/>
-              </a:ext>
-            </a:extLst>
-          </p:cNvPr>
-          <p:cNvSpPr/>
-          <p:nvPr/>
-        </p:nvSpPr>
-        <p:spPr>
-          <a:xfrm>
-            <a:off x="3605614" y="1690688"/>
-            <a:ext cx="2997843" cy="4352081"/>
-          </a:xfrm>
-          <a:prstGeom prst="rect">
-            <a:avLst/>
-          </a:prstGeom>
-          <a:solidFill>
-            <a:schemeClr val="bg1"/>
-          </a:solidFill>
-        </p:spPr>
-        <p:style>
-          <a:lnRef idx="2">
-            <a:schemeClr val="accent1">
-              <a:shade val="50000"/>
-            </a:schemeClr>
-          </a:lnRef>
-          <a:fillRef idx="1">
-            <a:schemeClr val="accent1"/>
-          </a:fillRef>
-          <a:effectRef idx="0">
-            <a:schemeClr val="accent1"/>
-          </a:effectRef>
-          <a:fontRef idx="minor">
-            <a:schemeClr val="lt1"/>
-          </a:fontRef>
-        </p:style>
-        <p:txBody>
-          <a:bodyPr rtlCol="0" anchor="ctr"/>
-          <a:lstStyle/>
-          <a:p>
-            <a:pPr algn="ctr"/>
-            <a:endParaRPr lang="en-AU"/>
-          </a:p>
-        </p:txBody>
-      </p:sp>
-      <p:sp>
-        <p:nvSpPr>
-          <p:cNvPr id="6" name="Rectangle 5">
-            <a:extLst>
-              <a:ext uri="{FF2B5EF4-FFF2-40B4-BE49-F238E27FC236}">
-                <a16:creationId xmlns:a16="http://schemas.microsoft.com/office/drawing/2014/main" id="{1FCA20F8-B0FA-43B4-B039-AEFA8B88584A}"/>
-              </a:ext>
-            </a:extLst>
-          </p:cNvPr>
-          <p:cNvSpPr/>
-          <p:nvPr/>
-        </p:nvSpPr>
-        <p:spPr>
-          <a:xfrm>
-            <a:off x="6974912" y="1690688"/>
-            <a:ext cx="4815834" cy="4352081"/>
-          </a:xfrm>
-          <a:prstGeom prst="rect">
-            <a:avLst/>
-          </a:prstGeom>
-          <a:solidFill>
-            <a:schemeClr val="bg1"/>
-          </a:solidFill>
-        </p:spPr>
-        <p:style>
-          <a:lnRef idx="2">
-            <a:schemeClr val="accent1">
-              <a:shade val="50000"/>
-            </a:schemeClr>
-          </a:lnRef>
-          <a:fillRef idx="1">
-            <a:schemeClr val="accent1"/>
-          </a:fillRef>
-          <a:effectRef idx="0">
-            <a:schemeClr val="accent1"/>
-          </a:effectRef>
-          <a:fontRef idx="minor">
-            <a:schemeClr val="lt1"/>
-          </a:fontRef>
-        </p:style>
-        <p:txBody>
-          <a:bodyPr rtlCol="0" anchor="ctr"/>
-          <a:lstStyle/>
-          <a:p>
-            <a:pPr algn="ctr"/>
-            <a:endParaRPr lang="en-AU"/>
-          </a:p>
-        </p:txBody>
-      </p:sp>
+      </p:pic>
     </p:spTree>
     <p:extLst>
       <p:ext uri="{BB962C8B-B14F-4D97-AF65-F5344CB8AC3E}">
@@ -4296,153 +4838,42 @@
           </a:p>
         </p:txBody>
       </p:sp>
-      <p:sp>
-        <p:nvSpPr>
-          <p:cNvPr id="4" name="Rectangle 3">
-            <a:extLst>
-              <a:ext uri="{FF2B5EF4-FFF2-40B4-BE49-F238E27FC236}">
-                <a16:creationId xmlns:a16="http://schemas.microsoft.com/office/drawing/2014/main" id="{A84D8868-0E4D-4D25-BEB6-64357A0B6529}"/>
-              </a:ext>
-            </a:extLst>
-          </p:cNvPr>
-          <p:cNvSpPr/>
+      <p:pic>
+        <p:nvPicPr>
+          <p:cNvPr id="7" name="Picture 6" descr="Graphical user interface, text, application&#10;&#10;Description automatically generated">
+            <a:extLst>
+              <a:ext uri="{FF2B5EF4-FFF2-40B4-BE49-F238E27FC236}">
+                <a16:creationId xmlns:a16="http://schemas.microsoft.com/office/drawing/2014/main" id="{43033826-55D2-4027-A5C8-39E93AAB6473}"/>
+              </a:ext>
+            </a:extLst>
+          </p:cNvPr>
+          <p:cNvPicPr>
+            <a:picLocks noChangeAspect="1"/>
+          </p:cNvPicPr>
           <p:nvPr/>
-        </p:nvSpPr>
+        </p:nvPicPr>
+        <p:blipFill>
+          <a:blip r:embed="rId2">
+            <a:extLst>
+              <a:ext uri="{28A0092B-C50C-407E-A947-70E740481C1C}">
+                <a14:useLocalDpi xmlns:a14="http://schemas.microsoft.com/office/drawing/2010/main" val="0"/>
+              </a:ext>
+            </a:extLst>
+          </a:blip>
+          <a:stretch>
+            <a:fillRect/>
+          </a:stretch>
+        </p:blipFill>
         <p:spPr>
           <a:xfrm>
-            <a:off x="838200" y="1690688"/>
-            <a:ext cx="2395960" cy="3565003"/>
+            <a:off x="302400" y="1645200"/>
+            <a:ext cx="11589964" cy="4500000"/>
           </a:xfrm>
           <a:prstGeom prst="rect">
             <a:avLst/>
           </a:prstGeom>
-          <a:solidFill>
-            <a:schemeClr val="bg1"/>
-          </a:solidFill>
         </p:spPr>
-        <p:style>
-          <a:lnRef idx="2">
-            <a:schemeClr val="accent1">
-              <a:shade val="50000"/>
-            </a:schemeClr>
-          </a:lnRef>
-          <a:fillRef idx="1">
-            <a:schemeClr val="accent1"/>
-          </a:fillRef>
-          <a:effectRef idx="0">
-            <a:schemeClr val="accent1"/>
-          </a:effectRef>
-          <a:fontRef idx="minor">
-            <a:schemeClr val="lt1"/>
-          </a:fontRef>
-        </p:style>
-        <p:txBody>
-          <a:bodyPr rtlCol="0" anchor="ctr"/>
-          <a:lstStyle/>
-          <a:p>
-            <a:pPr algn="ctr"/>
-            <a:endParaRPr lang="en-AU"/>
-          </a:p>
-        </p:txBody>
-      </p:sp>
-      <p:sp>
-        <p:nvSpPr>
-          <p:cNvPr id="5" name="Rectangle 4">
-            <a:extLst>
-              <a:ext uri="{FF2B5EF4-FFF2-40B4-BE49-F238E27FC236}">
-                <a16:creationId xmlns:a16="http://schemas.microsoft.com/office/drawing/2014/main" id="{0C0BD428-DA3A-4B4D-B443-259BA884969F}"/>
-              </a:ext>
-            </a:extLst>
-          </p:cNvPr>
-          <p:cNvSpPr/>
-          <p:nvPr/>
-        </p:nvSpPr>
-        <p:spPr>
-          <a:xfrm>
-            <a:off x="3605614" y="1690688"/>
-            <a:ext cx="2997843" cy="4352081"/>
-          </a:xfrm>
-          <a:prstGeom prst="rect">
-            <a:avLst/>
-          </a:prstGeom>
-          <a:solidFill>
-            <a:schemeClr val="bg1"/>
-          </a:solidFill>
-        </p:spPr>
-        <p:style>
-          <a:lnRef idx="2">
-            <a:schemeClr val="accent1">
-              <a:shade val="50000"/>
-            </a:schemeClr>
-          </a:lnRef>
-          <a:fillRef idx="1">
-            <a:schemeClr val="accent1"/>
-          </a:fillRef>
-          <a:effectRef idx="0">
-            <a:schemeClr val="accent1"/>
-          </a:effectRef>
-          <a:fontRef idx="minor">
-            <a:schemeClr val="lt1"/>
-          </a:fontRef>
-        </p:style>
-        <p:txBody>
-          <a:bodyPr rtlCol="0" anchor="ctr"/>
-          <a:lstStyle/>
-          <a:p>
-            <a:pPr algn="ctr"/>
-            <a:endParaRPr lang="en-AU"/>
-          </a:p>
-        </p:txBody>
-      </p:sp>
-      <p:sp>
-        <p:nvSpPr>
-          <p:cNvPr id="6" name="Rectangle 5">
-            <a:extLst>
-              <a:ext uri="{FF2B5EF4-FFF2-40B4-BE49-F238E27FC236}">
-                <a16:creationId xmlns:a16="http://schemas.microsoft.com/office/drawing/2014/main" id="{1FCA20F8-B0FA-43B4-B039-AEFA8B88584A}"/>
-              </a:ext>
-            </a:extLst>
-          </p:cNvPr>
-          <p:cNvSpPr/>
-          <p:nvPr/>
-        </p:nvSpPr>
-        <p:spPr>
-          <a:xfrm>
-            <a:off x="6974912" y="1690688"/>
-            <a:ext cx="4815834" cy="4352081"/>
-          </a:xfrm>
-          <a:prstGeom prst="rect">
-            <a:avLst/>
-          </a:prstGeom>
-          <a:solidFill>
-            <a:schemeClr val="bg1"/>
-          </a:solidFill>
-        </p:spPr>
-        <p:style>
-          <a:lnRef idx="2">
-            <a:schemeClr val="accent1">
-              <a:shade val="50000"/>
-            </a:schemeClr>
-          </a:lnRef>
-          <a:fillRef idx="1">
-            <a:schemeClr val="accent1"/>
-          </a:fillRef>
-          <a:effectRef idx="0">
-            <a:schemeClr val="accent1"/>
-          </a:effectRef>
-          <a:fontRef idx="minor">
-            <a:schemeClr val="lt1"/>
-          </a:fontRef>
-        </p:style>
-        <p:txBody>
-          <a:bodyPr rtlCol="0" anchor="ctr"/>
-          <a:lstStyle/>
-          <a:p>
-            <a:pPr algn="ctr"/>
-            <a:endParaRPr lang="en-AU"/>
-          </a:p>
-        </p:txBody>
-      </p:sp>
+      </p:pic>
     </p:spTree>
     <p:extLst>
       <p:ext uri="{BB962C8B-B14F-4D97-AF65-F5344CB8AC3E}">
@@ -4497,163 +4928,52 @@
             <a:pPr algn="ctr"/>
             <a:r>
               <a:rPr lang="en-US" dirty="0"/>
-              <a:t>My History</a:t>
+              <a:t>My Blog</a:t>
             </a:r>
             <a:endParaRPr lang="en-AU" dirty="0"/>
           </a:p>
         </p:txBody>
       </p:sp>
-      <p:sp>
-        <p:nvSpPr>
-          <p:cNvPr id="4" name="Rectangle 3">
-            <a:extLst>
-              <a:ext uri="{FF2B5EF4-FFF2-40B4-BE49-F238E27FC236}">
-                <a16:creationId xmlns:a16="http://schemas.microsoft.com/office/drawing/2014/main" id="{A84D8868-0E4D-4D25-BEB6-64357A0B6529}"/>
-              </a:ext>
-            </a:extLst>
-          </p:cNvPr>
-          <p:cNvSpPr/>
+      <p:pic>
+        <p:nvPicPr>
+          <p:cNvPr id="7" name="Picture 6" descr="Graphical user interface, application&#10;&#10;Description automatically generated">
+            <a:extLst>
+              <a:ext uri="{FF2B5EF4-FFF2-40B4-BE49-F238E27FC236}">
+                <a16:creationId xmlns:a16="http://schemas.microsoft.com/office/drawing/2014/main" id="{637F0348-410F-490E-A502-FECCA72F636A}"/>
+              </a:ext>
+            </a:extLst>
+          </p:cNvPr>
+          <p:cNvPicPr>
+            <a:picLocks noChangeAspect="1"/>
+          </p:cNvPicPr>
           <p:nvPr/>
-        </p:nvSpPr>
+        </p:nvPicPr>
+        <p:blipFill>
+          <a:blip r:embed="rId2">
+            <a:extLst>
+              <a:ext uri="{28A0092B-C50C-407E-A947-70E740481C1C}">
+                <a14:useLocalDpi xmlns:a14="http://schemas.microsoft.com/office/drawing/2010/main" val="0"/>
+              </a:ext>
+            </a:extLst>
+          </a:blip>
+          <a:stretch>
+            <a:fillRect/>
+          </a:stretch>
+        </p:blipFill>
         <p:spPr>
           <a:xfrm>
-            <a:off x="838200" y="1690688"/>
-            <a:ext cx="2395960" cy="3565003"/>
+            <a:off x="302400" y="1645200"/>
+            <a:ext cx="11589967" cy="4500000"/>
           </a:xfrm>
           <a:prstGeom prst="rect">
             <a:avLst/>
           </a:prstGeom>
-          <a:solidFill>
-            <a:schemeClr val="bg1"/>
-          </a:solidFill>
         </p:spPr>
-        <p:style>
-          <a:lnRef idx="2">
-            <a:schemeClr val="accent1">
-              <a:shade val="50000"/>
-            </a:schemeClr>
-          </a:lnRef>
-          <a:fillRef idx="1">
-            <a:schemeClr val="accent1"/>
-          </a:fillRef>
-          <a:effectRef idx="0">
-            <a:schemeClr val="accent1"/>
-          </a:effectRef>
-          <a:fontRef idx="minor">
-            <a:schemeClr val="lt1"/>
-          </a:fontRef>
-        </p:style>
-        <p:txBody>
-          <a:bodyPr rtlCol="0" anchor="ctr"/>
-          <a:lstStyle/>
-          <a:p>
-            <a:pPr algn="ctr"/>
-            <a:endParaRPr lang="en-AU"/>
-          </a:p>
-        </p:txBody>
-      </p:sp>
-      <p:sp>
-        <p:nvSpPr>
-          <p:cNvPr id="5" name="Rectangle 4">
-            <a:extLst>
-              <a:ext uri="{FF2B5EF4-FFF2-40B4-BE49-F238E27FC236}">
-                <a16:creationId xmlns:a16="http://schemas.microsoft.com/office/drawing/2014/main" id="{0C0BD428-DA3A-4B4D-B443-259BA884969F}"/>
-              </a:ext>
-            </a:extLst>
-          </p:cNvPr>
-          <p:cNvSpPr/>
-          <p:nvPr/>
-        </p:nvSpPr>
-        <p:spPr>
-          <a:xfrm>
-            <a:off x="3605614" y="1690688"/>
-            <a:ext cx="2997843" cy="4352081"/>
-          </a:xfrm>
-          <a:prstGeom prst="rect">
-            <a:avLst/>
-          </a:prstGeom>
-          <a:solidFill>
-            <a:schemeClr val="bg1"/>
-          </a:solidFill>
-        </p:spPr>
-        <p:style>
-          <a:lnRef idx="2">
-            <a:schemeClr val="accent1">
-              <a:shade val="50000"/>
-            </a:schemeClr>
-          </a:lnRef>
-          <a:fillRef idx="1">
-            <a:schemeClr val="accent1"/>
-          </a:fillRef>
-          <a:effectRef idx="0">
-            <a:schemeClr val="accent1"/>
-          </a:effectRef>
-          <a:fontRef idx="minor">
-            <a:schemeClr val="lt1"/>
-          </a:fontRef>
-        </p:style>
-        <p:txBody>
-          <a:bodyPr rtlCol="0" anchor="ctr"/>
-          <a:lstStyle/>
-          <a:p>
-            <a:pPr algn="ctr"/>
-            <a:endParaRPr lang="en-AU"/>
-          </a:p>
-        </p:txBody>
-      </p:sp>
-      <p:sp>
-        <p:nvSpPr>
-          <p:cNvPr id="6" name="Rectangle 5">
-            <a:extLst>
-              <a:ext uri="{FF2B5EF4-FFF2-40B4-BE49-F238E27FC236}">
-                <a16:creationId xmlns:a16="http://schemas.microsoft.com/office/drawing/2014/main" id="{1FCA20F8-B0FA-43B4-B039-AEFA8B88584A}"/>
-              </a:ext>
-            </a:extLst>
-          </p:cNvPr>
-          <p:cNvSpPr/>
-          <p:nvPr/>
-        </p:nvSpPr>
-        <p:spPr>
-          <a:xfrm>
-            <a:off x="6974912" y="1690688"/>
-            <a:ext cx="4815834" cy="4352081"/>
-          </a:xfrm>
-          <a:prstGeom prst="rect">
-            <a:avLst/>
-          </a:prstGeom>
-          <a:solidFill>
-            <a:schemeClr val="bg1"/>
-          </a:solidFill>
-        </p:spPr>
-        <p:style>
-          <a:lnRef idx="2">
-            <a:schemeClr val="accent1">
-              <a:shade val="50000"/>
-            </a:schemeClr>
-          </a:lnRef>
-          <a:fillRef idx="1">
-            <a:schemeClr val="accent1"/>
-          </a:fillRef>
-          <a:effectRef idx="0">
-            <a:schemeClr val="accent1"/>
-          </a:effectRef>
-          <a:fontRef idx="minor">
-            <a:schemeClr val="lt1"/>
-          </a:fontRef>
-        </p:style>
-        <p:txBody>
-          <a:bodyPr rtlCol="0" anchor="ctr"/>
-          <a:lstStyle/>
-          <a:p>
-            <a:pPr algn="ctr"/>
-            <a:endParaRPr lang="en-AU"/>
-          </a:p>
-        </p:txBody>
-      </p:sp>
+      </p:pic>
     </p:spTree>
     <p:extLst>
       <p:ext uri="{BB962C8B-B14F-4D97-AF65-F5344CB8AC3E}">
-        <p14:creationId xmlns:p14="http://schemas.microsoft.com/office/powerpoint/2010/main" val="1418699145"/>
+        <p14:creationId xmlns:p14="http://schemas.microsoft.com/office/powerpoint/2010/main" val="3803126088"/>
       </p:ext>
     </p:extLst>
   </p:cSld>
@@ -4704,163 +5024,52 @@
             <a:pPr algn="ctr"/>
             <a:r>
               <a:rPr lang="en-US" dirty="0"/>
-              <a:t>My Blog</a:t>
+              <a:t>Contact Me</a:t>
             </a:r>
             <a:endParaRPr lang="en-AU" dirty="0"/>
           </a:p>
         </p:txBody>
       </p:sp>
-      <p:sp>
-        <p:nvSpPr>
-          <p:cNvPr id="4" name="Rectangle 3">
-            <a:extLst>
-              <a:ext uri="{FF2B5EF4-FFF2-40B4-BE49-F238E27FC236}">
-                <a16:creationId xmlns:a16="http://schemas.microsoft.com/office/drawing/2014/main" id="{A84D8868-0E4D-4D25-BEB6-64357A0B6529}"/>
-              </a:ext>
-            </a:extLst>
-          </p:cNvPr>
-          <p:cNvSpPr/>
+      <p:pic>
+        <p:nvPicPr>
+          <p:cNvPr id="7" name="Picture 6" descr="Graphical user interface&#10;&#10;Description automatically generated">
+            <a:extLst>
+              <a:ext uri="{FF2B5EF4-FFF2-40B4-BE49-F238E27FC236}">
+                <a16:creationId xmlns:a16="http://schemas.microsoft.com/office/drawing/2014/main" id="{E9E1A5B2-BCA7-4B39-B258-D21C942B0BFA}"/>
+              </a:ext>
+            </a:extLst>
+          </p:cNvPr>
+          <p:cNvPicPr>
+            <a:picLocks noChangeAspect="1"/>
+          </p:cNvPicPr>
           <p:nvPr/>
-        </p:nvSpPr>
+        </p:nvPicPr>
+        <p:blipFill>
+          <a:blip r:embed="rId2">
+            <a:extLst>
+              <a:ext uri="{28A0092B-C50C-407E-A947-70E740481C1C}">
+                <a14:useLocalDpi xmlns:a14="http://schemas.microsoft.com/office/drawing/2010/main" val="0"/>
+              </a:ext>
+            </a:extLst>
+          </a:blip>
+          <a:stretch>
+            <a:fillRect/>
+          </a:stretch>
+        </p:blipFill>
         <p:spPr>
           <a:xfrm>
-            <a:off x="838200" y="1690688"/>
-            <a:ext cx="2395960" cy="3565003"/>
+            <a:off x="302400" y="1645200"/>
+            <a:ext cx="11589967" cy="4500000"/>
           </a:xfrm>
           <a:prstGeom prst="rect">
             <a:avLst/>
           </a:prstGeom>
-          <a:solidFill>
-            <a:schemeClr val="bg1"/>
-          </a:solidFill>
         </p:spPr>
-        <p:style>
-          <a:lnRef idx="2">
-            <a:schemeClr val="accent1">
-              <a:shade val="50000"/>
-            </a:schemeClr>
-          </a:lnRef>
-          <a:fillRef idx="1">
-            <a:schemeClr val="accent1"/>
-          </a:fillRef>
-          <a:effectRef idx="0">
-            <a:schemeClr val="accent1"/>
-          </a:effectRef>
-          <a:fontRef idx="minor">
-            <a:schemeClr val="lt1"/>
-          </a:fontRef>
-        </p:style>
-        <p:txBody>
-          <a:bodyPr rtlCol="0" anchor="ctr"/>
-          <a:lstStyle/>
-          <a:p>
-            <a:pPr algn="ctr"/>
-            <a:endParaRPr lang="en-AU"/>
-          </a:p>
-        </p:txBody>
-      </p:sp>
-      <p:sp>
-        <p:nvSpPr>
-          <p:cNvPr id="5" name="Rectangle 4">
-            <a:extLst>
-              <a:ext uri="{FF2B5EF4-FFF2-40B4-BE49-F238E27FC236}">
-                <a16:creationId xmlns:a16="http://schemas.microsoft.com/office/drawing/2014/main" id="{0C0BD428-DA3A-4B4D-B443-259BA884969F}"/>
-              </a:ext>
-            </a:extLst>
-          </p:cNvPr>
-          <p:cNvSpPr/>
-          <p:nvPr/>
-        </p:nvSpPr>
-        <p:spPr>
-          <a:xfrm>
-            <a:off x="3605614" y="1690688"/>
-            <a:ext cx="2997843" cy="4352081"/>
-          </a:xfrm>
-          <a:prstGeom prst="rect">
-            <a:avLst/>
-          </a:prstGeom>
-          <a:solidFill>
-            <a:schemeClr val="bg1"/>
-          </a:solidFill>
-        </p:spPr>
-        <p:style>
-          <a:lnRef idx="2">
-            <a:schemeClr val="accent1">
-              <a:shade val="50000"/>
-            </a:schemeClr>
-          </a:lnRef>
-          <a:fillRef idx="1">
-            <a:schemeClr val="accent1"/>
-          </a:fillRef>
-          <a:effectRef idx="0">
-            <a:schemeClr val="accent1"/>
-          </a:effectRef>
-          <a:fontRef idx="minor">
-            <a:schemeClr val="lt1"/>
-          </a:fontRef>
-        </p:style>
-        <p:txBody>
-          <a:bodyPr rtlCol="0" anchor="ctr"/>
-          <a:lstStyle/>
-          <a:p>
-            <a:pPr algn="ctr"/>
-            <a:endParaRPr lang="en-AU"/>
-          </a:p>
-        </p:txBody>
-      </p:sp>
-      <p:sp>
-        <p:nvSpPr>
-          <p:cNvPr id="6" name="Rectangle 5">
-            <a:extLst>
-              <a:ext uri="{FF2B5EF4-FFF2-40B4-BE49-F238E27FC236}">
-                <a16:creationId xmlns:a16="http://schemas.microsoft.com/office/drawing/2014/main" id="{1FCA20F8-B0FA-43B4-B039-AEFA8B88584A}"/>
-              </a:ext>
-            </a:extLst>
-          </p:cNvPr>
-          <p:cNvSpPr/>
-          <p:nvPr/>
-        </p:nvSpPr>
-        <p:spPr>
-          <a:xfrm>
-            <a:off x="6974912" y="1690688"/>
-            <a:ext cx="4815834" cy="4352081"/>
-          </a:xfrm>
-          <a:prstGeom prst="rect">
-            <a:avLst/>
-          </a:prstGeom>
-          <a:solidFill>
-            <a:schemeClr val="bg1"/>
-          </a:solidFill>
-        </p:spPr>
-        <p:style>
-          <a:lnRef idx="2">
-            <a:schemeClr val="accent1">
-              <a:shade val="50000"/>
-            </a:schemeClr>
-          </a:lnRef>
-          <a:fillRef idx="1">
-            <a:schemeClr val="accent1"/>
-          </a:fillRef>
-          <a:effectRef idx="0">
-            <a:schemeClr val="accent1"/>
-          </a:effectRef>
-          <a:fontRef idx="minor">
-            <a:schemeClr val="lt1"/>
-          </a:fontRef>
-        </p:style>
-        <p:txBody>
-          <a:bodyPr rtlCol="0" anchor="ctr"/>
-          <a:lstStyle/>
-          <a:p>
-            <a:pPr algn="ctr"/>
-            <a:endParaRPr lang="en-AU"/>
-          </a:p>
-        </p:txBody>
-      </p:sp>
+      </p:pic>
     </p:spTree>
     <p:extLst>
       <p:ext uri="{BB962C8B-B14F-4D97-AF65-F5344CB8AC3E}">
-        <p14:creationId xmlns:p14="http://schemas.microsoft.com/office/powerpoint/2010/main" val="3803126088"/>
+        <p14:creationId xmlns:p14="http://schemas.microsoft.com/office/powerpoint/2010/main" val="859115082"/>
       </p:ext>
     </p:extLst>
   </p:cSld>
@@ -4892,7 +5101,7 @@
           <p:cNvPr id="2" name="Title 1">
             <a:extLst>
               <a:ext uri="{FF2B5EF4-FFF2-40B4-BE49-F238E27FC236}">
-                <a16:creationId xmlns:a16="http://schemas.microsoft.com/office/drawing/2014/main" id="{3D43D3BC-36F0-45AD-A5EB-972BAC06405C}"/>
+                <a16:creationId xmlns:a16="http://schemas.microsoft.com/office/drawing/2014/main" id="{BD78DEA4-9CBC-4FAA-A7BF-FE03ED03E0D2}"/>
               </a:ext>
             </a:extLst>
           </p:cNvPr>
@@ -4908,10 +5117,9 @@
           <a:bodyPr/>
           <a:lstStyle/>
           <a:p>
-            <a:pPr algn="ctr"/>
             <a:r>
               <a:rPr lang="en-US" dirty="0"/>
-              <a:t>Contact Me</a:t>
+              <a:t>Components</a:t>
             </a:r>
             <a:endParaRPr lang="en-AU" dirty="0"/>
           </a:p>
@@ -4919,230 +5127,44 @@
       </p:sp>
       <p:sp>
         <p:nvSpPr>
-          <p:cNvPr id="4" name="Rectangle 3">
-            <a:extLst>
-              <a:ext uri="{FF2B5EF4-FFF2-40B4-BE49-F238E27FC236}">
-                <a16:creationId xmlns:a16="http://schemas.microsoft.com/office/drawing/2014/main" id="{A84D8868-0E4D-4D25-BEB6-64357A0B6529}"/>
-              </a:ext>
-            </a:extLst>
-          </p:cNvPr>
-          <p:cNvSpPr/>
-          <p:nvPr/>
+          <p:cNvPr id="3" name="Content Placeholder 2">
+            <a:extLst>
+              <a:ext uri="{FF2B5EF4-FFF2-40B4-BE49-F238E27FC236}">
+                <a16:creationId xmlns:a16="http://schemas.microsoft.com/office/drawing/2014/main" id="{33DC63EC-3654-4C7B-9739-869AA9953AF9}"/>
+              </a:ext>
+            </a:extLst>
+          </p:cNvPr>
+          <p:cNvSpPr>
+            <a:spLocks noGrp="1"/>
+          </p:cNvSpPr>
+          <p:nvPr>
+            <p:ph idx="1"/>
+          </p:nvPr>
         </p:nvSpPr>
         <p:spPr>
           <a:xfrm>
-            <a:off x="838200" y="1690688"/>
-            <a:ext cx="2395960" cy="3565003"/>
+            <a:off x="838200" y="1508760"/>
+            <a:ext cx="10515600" cy="4668203"/>
           </a:xfrm>
-          <a:prstGeom prst="rect">
-            <a:avLst/>
-          </a:prstGeom>
-          <a:solidFill>
-            <a:schemeClr val="bg1"/>
-          </a:solidFill>
         </p:spPr>
-        <p:style>
-          <a:lnRef idx="2">
-            <a:schemeClr val="accent1">
-              <a:shade val="50000"/>
-            </a:schemeClr>
-          </a:lnRef>
-          <a:fillRef idx="1">
-            <a:schemeClr val="accent1"/>
-          </a:fillRef>
-          <a:effectRef idx="0">
-            <a:schemeClr val="accent1"/>
-          </a:effectRef>
-          <a:fontRef idx="minor">
-            <a:schemeClr val="lt1"/>
-          </a:fontRef>
-        </p:style>
-        <p:txBody>
-          <a:bodyPr rtlCol="0" anchor="ctr"/>
-          <a:lstStyle/>
-          <a:p>
-            <a:pPr algn="ctr"/>
-            <a:endParaRPr lang="en-AU"/>
-          </a:p>
-        </p:txBody>
-      </p:sp>
-      <p:sp>
-        <p:nvSpPr>
-          <p:cNvPr id="5" name="Rectangle 4">
-            <a:extLst>
-              <a:ext uri="{FF2B5EF4-FFF2-40B4-BE49-F238E27FC236}">
-                <a16:creationId xmlns:a16="http://schemas.microsoft.com/office/drawing/2014/main" id="{0C0BD428-DA3A-4B4D-B443-259BA884969F}"/>
-              </a:ext>
-            </a:extLst>
-          </p:cNvPr>
-          <p:cNvSpPr/>
-          <p:nvPr/>
-        </p:nvSpPr>
-        <p:spPr>
-          <a:xfrm>
-            <a:off x="3605614" y="1690688"/>
-            <a:ext cx="2997843" cy="4352081"/>
-          </a:xfrm>
-          <a:prstGeom prst="rect">
-            <a:avLst/>
-          </a:prstGeom>
-          <a:solidFill>
-            <a:schemeClr val="bg1"/>
-          </a:solidFill>
-        </p:spPr>
-        <p:style>
-          <a:lnRef idx="2">
-            <a:schemeClr val="accent1">
-              <a:shade val="50000"/>
-            </a:schemeClr>
-          </a:lnRef>
-          <a:fillRef idx="1">
-            <a:schemeClr val="accent1"/>
-          </a:fillRef>
-          <a:effectRef idx="0">
-            <a:schemeClr val="accent1"/>
-          </a:effectRef>
-          <a:fontRef idx="minor">
-            <a:schemeClr val="lt1"/>
-          </a:fontRef>
-        </p:style>
-        <p:txBody>
-          <a:bodyPr rtlCol="0" anchor="ctr"/>
-          <a:lstStyle/>
-          <a:p>
-            <a:pPr algn="ctr"/>
-            <a:endParaRPr lang="en-AU"/>
-          </a:p>
-        </p:txBody>
-      </p:sp>
-      <p:sp>
-        <p:nvSpPr>
-          <p:cNvPr id="6" name="Rectangle 5">
-            <a:extLst>
-              <a:ext uri="{FF2B5EF4-FFF2-40B4-BE49-F238E27FC236}">
-                <a16:creationId xmlns:a16="http://schemas.microsoft.com/office/drawing/2014/main" id="{1FCA20F8-B0FA-43B4-B039-AEFA8B88584A}"/>
-              </a:ext>
-            </a:extLst>
-          </p:cNvPr>
-          <p:cNvSpPr/>
-          <p:nvPr/>
-        </p:nvSpPr>
-        <p:spPr>
-          <a:xfrm>
-            <a:off x="6974912" y="1690688"/>
-            <a:ext cx="4815834" cy="4352081"/>
-          </a:xfrm>
-          <a:prstGeom prst="rect">
-            <a:avLst/>
-          </a:prstGeom>
-          <a:solidFill>
-            <a:schemeClr val="bg1"/>
-          </a:solidFill>
-        </p:spPr>
-        <p:style>
-          <a:lnRef idx="2">
-            <a:schemeClr val="accent1">
-              <a:shade val="50000"/>
-            </a:schemeClr>
-          </a:lnRef>
-          <a:fillRef idx="1">
-            <a:schemeClr val="accent1"/>
-          </a:fillRef>
-          <a:effectRef idx="0">
-            <a:schemeClr val="accent1"/>
-          </a:effectRef>
-          <a:fontRef idx="minor">
-            <a:schemeClr val="lt1"/>
-          </a:fontRef>
-        </p:style>
-        <p:txBody>
-          <a:bodyPr rtlCol="0" anchor="ctr"/>
-          <a:lstStyle/>
-          <a:p>
-            <a:pPr algn="ctr"/>
-            <a:endParaRPr lang="en-AU"/>
-          </a:p>
-        </p:txBody>
-      </p:sp>
-    </p:spTree>
-    <p:extLst>
-      <p:ext uri="{BB962C8B-B14F-4D97-AF65-F5344CB8AC3E}">
-        <p14:creationId xmlns:p14="http://schemas.microsoft.com/office/powerpoint/2010/main" val="859115082"/>
-      </p:ext>
-    </p:extLst>
-  </p:cSld>
-  <p:clrMapOvr>
-    <a:masterClrMapping/>
-  </p:clrMapOvr>
-</p:sld>
-</file>
-
-<file path=ppt/slides/slide9.xml><?xml version="1.0" encoding="utf-8"?>
-<p:sld xmlns:a="http://schemas.openxmlformats.org/drawingml/2006/main" xmlns:r="http://schemas.openxmlformats.org/officeDocument/2006/relationships" xmlns:p="http://schemas.openxmlformats.org/presentationml/2006/main">
-  <p:cSld>
-    <p:spTree>
-      <p:nvGrpSpPr>
-        <p:cNvPr id="1" name=""/>
-        <p:cNvGrpSpPr/>
-        <p:nvPr/>
-      </p:nvGrpSpPr>
-      <p:grpSpPr>
-        <a:xfrm>
-          <a:off x="0" y="0"/>
-          <a:ext cx="0" cy="0"/>
-          <a:chOff x="0" y="0"/>
-          <a:chExt cx="0" cy="0"/>
-        </a:xfrm>
-      </p:grpSpPr>
-      <p:sp>
-        <p:nvSpPr>
-          <p:cNvPr id="2" name="Title 1">
-            <a:extLst>
-              <a:ext uri="{FF2B5EF4-FFF2-40B4-BE49-F238E27FC236}">
-                <a16:creationId xmlns:a16="http://schemas.microsoft.com/office/drawing/2014/main" id="{BD78DEA4-9CBC-4FAA-A7BF-FE03ED03E0D2}"/>
-              </a:ext>
-            </a:extLst>
-          </p:cNvPr>
-          <p:cNvSpPr>
-            <a:spLocks noGrp="1"/>
-          </p:cNvSpPr>
-          <p:nvPr>
-            <p:ph type="title"/>
-          </p:nvPr>
-        </p:nvSpPr>
-        <p:spPr/>
-        <p:txBody>
-          <a:bodyPr/>
-          <a:lstStyle/>
-          <a:p>
+        <p:txBody>
+          <a:bodyPr/>
+          <a:lstStyle/>
+          <a:p>
+            <a:pPr marL="0" indent="0">
+              <a:buNone/>
+            </a:pPr>
             <a:r>
               <a:rPr lang="en-US" dirty="0"/>
-              <a:t>Components</a:t>
-            </a:r>
-            <a:endParaRPr lang="en-AU" dirty="0"/>
-          </a:p>
-        </p:txBody>
-      </p:sp>
-      <p:sp>
-        <p:nvSpPr>
-          <p:cNvPr id="3" name="Content Placeholder 2">
-            <a:extLst>
-              <a:ext uri="{FF2B5EF4-FFF2-40B4-BE49-F238E27FC236}">
-                <a16:creationId xmlns:a16="http://schemas.microsoft.com/office/drawing/2014/main" id="{33DC63EC-3654-4C7B-9739-869AA9953AF9}"/>
-              </a:ext>
-            </a:extLst>
-          </p:cNvPr>
-          <p:cNvSpPr>
-            <a:spLocks noGrp="1"/>
-          </p:cNvSpPr>
-          <p:nvPr>
-            <p:ph idx="1"/>
-          </p:nvPr>
-        </p:nvSpPr>
-        <p:spPr/>
-        <p:txBody>
-          <a:bodyPr/>
-          <a:lstStyle/>
+              <a:t>Homepage</a:t>
+            </a:r>
+          </a:p>
+          <a:p>
+            <a:r>
+              <a:rPr lang="en-AU" dirty="0"/>
+              <a:t>Nav Bar</a:t>
+            </a:r>
+          </a:p>
           <a:p>
             <a:r>
               <a:rPr lang="en-US" dirty="0"/>
@@ -5152,19 +5174,15 @@
           <a:p>
             <a:r>
               <a:rPr lang="en-AU" dirty="0"/>
-              <a:t>Various background pictures</a:t>
-            </a:r>
-          </a:p>
-          <a:p>
+              <a:t>Adapting Behaviour and </a:t>
+            </a:r>
+            <a:r>
+              <a:rPr lang="en-AU" dirty="0" err="1"/>
+              <a:t>TickIt</a:t>
+            </a:r>
             <a:r>
               <a:rPr lang="en-AU" dirty="0"/>
-              <a:t>Header picture and Titles</a:t>
-            </a:r>
-          </a:p>
-          <a:p>
-            <a:r>
-              <a:rPr lang="en-AU" dirty="0"/>
-              <a:t>Nav Bar – expanding on the mobile, LHS for tablet and PC</a:t>
+              <a:t> Solutions logo’s for the companies that I work for</a:t>
             </a:r>
           </a:p>
           <a:p>
@@ -5481,4 +5499,299 @@
     </a:ext>
   </a:extLst>
 </a:theme>
+</file>
+
+<file path=ppt/theme/theme2.xml><?xml version="1.0" encoding="utf-8"?>
+<a:theme xmlns:a="http://schemas.openxmlformats.org/drawingml/2006/main" name="Office Theme">
+  <a:themeElements>
+    <a:clrScheme name="Office">
+      <a:dk1>
+        <a:sysClr val="windowText" lastClr="000000"/>
+      </a:dk1>
+      <a:lt1>
+        <a:sysClr val="window" lastClr="FFFFFF"/>
+      </a:lt1>
+      <a:dk2>
+        <a:srgbClr val="44546A"/>
+      </a:dk2>
+      <a:lt2>
+        <a:srgbClr val="E7E6E6"/>
+      </a:lt2>
+      <a:accent1>
+        <a:srgbClr val="4472C4"/>
+      </a:accent1>
+      <a:accent2>
+        <a:srgbClr val="ED7D31"/>
+      </a:accent2>
+      <a:accent3>
+        <a:srgbClr val="A5A5A5"/>
+      </a:accent3>
+      <a:accent4>
+        <a:srgbClr val="FFC000"/>
+      </a:accent4>
+      <a:accent5>
+        <a:srgbClr val="5B9BD5"/>
+      </a:accent5>
+      <a:accent6>
+        <a:srgbClr val="70AD47"/>
+      </a:accent6>
+      <a:hlink>
+        <a:srgbClr val="0563C1"/>
+      </a:hlink>
+      <a:folHlink>
+        <a:srgbClr val="954F72"/>
+      </a:folHlink>
+    </a:clrScheme>
+    <a:fontScheme name="Office">
+      <a:majorFont>
+        <a:latin typeface="Calibri Light" panose="020F0302020204030204"/>
+        <a:ea typeface=""/>
+        <a:cs typeface=""/>
+        <a:font script="Jpan" typeface="游ゴシック Light"/>
+        <a:font script="Hang" typeface="맑은 고딕"/>
+        <a:font script="Hans" typeface="等线 Light"/>
+        <a:font script="Hant" typeface="新細明體"/>
+        <a:font script="Arab" typeface="Times New Roman"/>
+        <a:font script="Hebr" typeface="Times New Roman"/>
+        <a:font script="Thai" typeface="Angsana New"/>
+        <a:font script="Ethi" typeface="Nyala"/>
+        <a:font script="Beng" typeface="Vrinda"/>
+        <a:font script="Gujr" typeface="Shruti"/>
+        <a:font script="Khmr" typeface="MoolBoran"/>
+        <a:font script="Knda" typeface="Tunga"/>
+        <a:font script="Guru" typeface="Raavi"/>
+        <a:font script="Cans" typeface="Euphemia"/>
+        <a:font script="Cher" typeface="Plantagenet Cherokee"/>
+        <a:font script="Yiii" typeface="Microsoft Yi Baiti"/>
+        <a:font script="Tibt" typeface="Microsoft Himalaya"/>
+        <a:font script="Thaa" typeface="MV Boli"/>
+        <a:font script="Deva" typeface="Mangal"/>
+        <a:font script="Telu" typeface="Gautami"/>
+        <a:font script="Taml" typeface="Latha"/>
+        <a:font script="Syrc" typeface="Estrangelo Edessa"/>
+        <a:font script="Orya" typeface="Kalinga"/>
+        <a:font script="Mlym" typeface="Kartika"/>
+        <a:font script="Laoo" typeface="DokChampa"/>
+        <a:font script="Sinh" typeface="Iskoola Pota"/>
+        <a:font script="Mong" typeface="Mongolian Baiti"/>
+        <a:font script="Viet" typeface="Times New Roman"/>
+        <a:font script="Uigh" typeface="Microsoft Uighur"/>
+        <a:font script="Geor" typeface="Sylfaen"/>
+        <a:font script="Armn" typeface="Arial"/>
+        <a:font script="Bugi" typeface="Leelawadee UI"/>
+        <a:font script="Bopo" typeface="Microsoft JhengHei"/>
+        <a:font script="Java" typeface="Javanese Text"/>
+        <a:font script="Lisu" typeface="Segoe UI"/>
+        <a:font script="Mymr" typeface="Myanmar Text"/>
+        <a:font script="Nkoo" typeface="Ebrima"/>
+        <a:font script="Olck" typeface="Nirmala UI"/>
+        <a:font script="Osma" typeface="Ebrima"/>
+        <a:font script="Phag" typeface="Phagspa"/>
+        <a:font script="Syrn" typeface="Estrangelo Edessa"/>
+        <a:font script="Syrj" typeface="Estrangelo Edessa"/>
+        <a:font script="Syre" typeface="Estrangelo Edessa"/>
+        <a:font script="Sora" typeface="Nirmala UI"/>
+        <a:font script="Tale" typeface="Microsoft Tai Le"/>
+        <a:font script="Talu" typeface="Microsoft New Tai Lue"/>
+        <a:font script="Tfng" typeface="Ebrima"/>
+      </a:majorFont>
+      <a:minorFont>
+        <a:latin typeface="Calibri" panose="020F0502020204030204"/>
+        <a:ea typeface=""/>
+        <a:cs typeface=""/>
+        <a:font script="Jpan" typeface="游ゴシック"/>
+        <a:font script="Hang" typeface="맑은 고딕"/>
+        <a:font script="Hans" typeface="等线"/>
+        <a:font script="Hant" typeface="新細明體"/>
+        <a:font script="Arab" typeface="Arial"/>
+        <a:font script="Hebr" typeface="Arial"/>
+        <a:font script="Thai" typeface="Cordia New"/>
+        <a:font script="Ethi" typeface="Nyala"/>
+        <a:font script="Beng" typeface="Vrinda"/>
+        <a:font script="Gujr" typeface="Shruti"/>
+        <a:font script="Khmr" typeface="DaunPenh"/>
+        <a:font script="Knda" typeface="Tunga"/>
+        <a:font script="Guru" typeface="Raavi"/>
+        <a:font script="Cans" typeface="Euphemia"/>
+        <a:font script="Cher" typeface="Plantagenet Cherokee"/>
+        <a:font script="Yiii" typeface="Microsoft Yi Baiti"/>
+        <a:font script="Tibt" typeface="Microsoft Himalaya"/>
+        <a:font script="Thaa" typeface="MV Boli"/>
+        <a:font script="Deva" typeface="Mangal"/>
+        <a:font script="Telu" typeface="Gautami"/>
+        <a:font script="Taml" typeface="Latha"/>
+        <a:font script="Syrc" typeface="Estrangelo Edessa"/>
+        <a:font script="Orya" typeface="Kalinga"/>
+        <a:font script="Mlym" typeface="Kartika"/>
+        <a:font script="Laoo" typeface="DokChampa"/>
+        <a:font script="Sinh" typeface="Iskoola Pota"/>
+        <a:font script="Mong" typeface="Mongolian Baiti"/>
+        <a:font script="Viet" typeface="Arial"/>
+        <a:font script="Uigh" typeface="Microsoft Uighur"/>
+        <a:font script="Geor" typeface="Sylfaen"/>
+        <a:font script="Armn" typeface="Arial"/>
+        <a:font script="Bugi" typeface="Leelawadee UI"/>
+        <a:font script="Bopo" typeface="Microsoft JhengHei"/>
+        <a:font script="Java" typeface="Javanese Text"/>
+        <a:font script="Lisu" typeface="Segoe UI"/>
+        <a:font script="Mymr" typeface="Myanmar Text"/>
+        <a:font script="Nkoo" typeface="Ebrima"/>
+        <a:font script="Olck" typeface="Nirmala UI"/>
+        <a:font script="Osma" typeface="Ebrima"/>
+        <a:font script="Phag" typeface="Phagspa"/>
+        <a:font script="Syrn" typeface="Estrangelo Edessa"/>
+        <a:font script="Syrj" typeface="Estrangelo Edessa"/>
+        <a:font script="Syre" typeface="Estrangelo Edessa"/>
+        <a:font script="Sora" typeface="Nirmala UI"/>
+        <a:font script="Tale" typeface="Microsoft Tai Le"/>
+        <a:font script="Talu" typeface="Microsoft New Tai Lue"/>
+        <a:font script="Tfng" typeface="Ebrima"/>
+      </a:minorFont>
+    </a:fontScheme>
+    <a:fmtScheme name="Office">
+      <a:fillStyleLst>
+        <a:solidFill>
+          <a:schemeClr val="phClr"/>
+        </a:solidFill>
+        <a:gradFill rotWithShape="1">
+          <a:gsLst>
+            <a:gs pos="0">
+              <a:schemeClr val="phClr">
+                <a:lumMod val="110000"/>
+                <a:satMod val="105000"/>
+                <a:tint val="67000"/>
+              </a:schemeClr>
+            </a:gs>
+            <a:gs pos="50000">
+              <a:schemeClr val="phClr">
+                <a:lumMod val="105000"/>
+                <a:satMod val="103000"/>
+                <a:tint val="73000"/>
+              </a:schemeClr>
+            </a:gs>
+            <a:gs pos="100000">
+              <a:schemeClr val="phClr">
+                <a:lumMod val="105000"/>
+                <a:satMod val="109000"/>
+                <a:tint val="81000"/>
+              </a:schemeClr>
+            </a:gs>
+          </a:gsLst>
+          <a:lin ang="5400000" scaled="0"/>
+        </a:gradFill>
+        <a:gradFill rotWithShape="1">
+          <a:gsLst>
+            <a:gs pos="0">
+              <a:schemeClr val="phClr">
+                <a:satMod val="103000"/>
+                <a:lumMod val="102000"/>
+                <a:tint val="94000"/>
+              </a:schemeClr>
+            </a:gs>
+            <a:gs pos="50000">
+              <a:schemeClr val="phClr">
+                <a:satMod val="110000"/>
+                <a:lumMod val="100000"/>
+                <a:shade val="100000"/>
+              </a:schemeClr>
+            </a:gs>
+            <a:gs pos="100000">
+              <a:schemeClr val="phClr">
+                <a:lumMod val="99000"/>
+                <a:satMod val="120000"/>
+                <a:shade val="78000"/>
+              </a:schemeClr>
+            </a:gs>
+          </a:gsLst>
+          <a:lin ang="5400000" scaled="0"/>
+        </a:gradFill>
+      </a:fillStyleLst>
+      <a:lnStyleLst>
+        <a:ln w="6350" cap="flat" cmpd="sng" algn="ctr">
+          <a:solidFill>
+            <a:schemeClr val="phClr"/>
+          </a:solidFill>
+          <a:prstDash val="solid"/>
+          <a:miter lim="800000"/>
+        </a:ln>
+        <a:ln w="12700" cap="flat" cmpd="sng" algn="ctr">
+          <a:solidFill>
+            <a:schemeClr val="phClr"/>
+          </a:solidFill>
+          <a:prstDash val="solid"/>
+          <a:miter lim="800000"/>
+        </a:ln>
+        <a:ln w="19050" cap="flat" cmpd="sng" algn="ctr">
+          <a:solidFill>
+            <a:schemeClr val="phClr"/>
+          </a:solidFill>
+          <a:prstDash val="solid"/>
+          <a:miter lim="800000"/>
+        </a:ln>
+      </a:lnStyleLst>
+      <a:effectStyleLst>
+        <a:effectStyle>
+          <a:effectLst/>
+        </a:effectStyle>
+        <a:effectStyle>
+          <a:effectLst/>
+        </a:effectStyle>
+        <a:effectStyle>
+          <a:effectLst>
+            <a:outerShdw blurRad="57150" dist="19050" dir="5400000" algn="ctr" rotWithShape="0">
+              <a:srgbClr val="000000">
+                <a:alpha val="63000"/>
+              </a:srgbClr>
+            </a:outerShdw>
+          </a:effectLst>
+        </a:effectStyle>
+      </a:effectStyleLst>
+      <a:bgFillStyleLst>
+        <a:solidFill>
+          <a:schemeClr val="phClr"/>
+        </a:solidFill>
+        <a:solidFill>
+          <a:schemeClr val="phClr">
+            <a:tint val="95000"/>
+            <a:satMod val="170000"/>
+          </a:schemeClr>
+        </a:solidFill>
+        <a:gradFill rotWithShape="1">
+          <a:gsLst>
+            <a:gs pos="0">
+              <a:schemeClr val="phClr">
+                <a:tint val="93000"/>
+                <a:satMod val="150000"/>
+                <a:shade val="98000"/>
+                <a:lumMod val="102000"/>
+              </a:schemeClr>
+            </a:gs>
+            <a:gs pos="50000">
+              <a:schemeClr val="phClr">
+                <a:tint val="98000"/>
+                <a:satMod val="130000"/>
+                <a:shade val="90000"/>
+                <a:lumMod val="103000"/>
+              </a:schemeClr>
+            </a:gs>
+            <a:gs pos="100000">
+              <a:schemeClr val="phClr">
+                <a:shade val="63000"/>
+                <a:satMod val="120000"/>
+              </a:schemeClr>
+            </a:gs>
+          </a:gsLst>
+          <a:lin ang="5400000" scaled="0"/>
+        </a:gradFill>
+      </a:bgFillStyleLst>
+    </a:fmtScheme>
+  </a:themeElements>
+  <a:objectDefaults/>
+  <a:extraClrSchemeLst/>
+  <a:extLst>
+    <a:ext uri="{05A4C25C-085E-4340-85A3-A5531E510DB2}">
+      <thm15:themeFamily xmlns:thm15="http://schemas.microsoft.com/office/thememl/2012/main" name="Office Theme" id="{62F939B6-93AF-4DB8-9C6B-D6C7DFDC589F}" vid="{4A3C46E8-61CC-4603-A589-7422A47A8E4A}"/>
+    </a:ext>
+  </a:extLst>
+</a:theme>
 </file>
--- a/AndrewDuggan_T1A2_Pres.pptx
+++ b/AndrewDuggan_T1A2_Pres.pptx
@@ -204,7 +204,7 @@
           <a:p>
             <a:fld id="{1A61ECFC-6DDD-4EE2-80AC-64B1A2317881}" type="datetimeFigureOut">
               <a:rPr lang="en-AU" smtClean="0"/>
-              <a:t>8/03/2021</a:t>
+              <a:t>09/03/2021</a:t>
             </a:fld>
             <a:endParaRPr lang="en-AU"/>
           </a:p>
@@ -517,6 +517,19 @@
           <a:lstStyle/>
           <a:p>
             <a:r>
+              <a:rPr lang="en-US" b="0" i="0" dirty="0">
+                <a:solidFill>
+                  <a:srgbClr val="2D3B45"/>
+                </a:solidFill>
+                <a:effectLst/>
+                <a:latin typeface="LatoWeb"/>
+              </a:rPr>
+              <a:t>Decision making process is COMPREHENSIVELY explained with regards to the overall aesthetic of the website</a:t>
+            </a:r>
+            <a:endParaRPr lang="en-US" dirty="0"/>
+          </a:p>
+          <a:p>
+            <a:r>
               <a:rPr lang="en-US" dirty="0"/>
               <a:t>- The aim of this website is to demonstrate my skills in web design and act as an online CV</a:t>
             </a:r>
@@ -547,6 +560,24 @@
             <a:r>
               <a:rPr lang="en-US" dirty="0"/>
               <a:t> Blind and Dyslexic users do not need to shy away from the internet if the way is paved for them.</a:t>
+            </a:r>
+          </a:p>
+          <a:p>
+            <a:pPr marL="171450" indent="-171450">
+              <a:buFontTx/>
+              <a:buChar char="-"/>
+            </a:pPr>
+            <a:r>
+              <a:rPr lang="en-US" dirty="0"/>
+              <a:t>With this in mind, I will ensure that the website is accessible via a screen reader using ARIA commands and will use a </a:t>
+            </a:r>
+            <a:r>
+              <a:rPr lang="en-US" dirty="0" err="1"/>
+              <a:t>colour</a:t>
+            </a:r>
+            <a:r>
+              <a:rPr lang="en-US" dirty="0"/>
+              <a:t>-blind friendly scheme.</a:t>
             </a:r>
           </a:p>
           <a:p>
@@ -635,22 +666,29 @@
           <a:lstStyle/>
           <a:p>
             <a:r>
+              <a:rPr lang="en-US" b="0" i="0" dirty="0">
+                <a:solidFill>
+                  <a:srgbClr val="2D3B45"/>
+                </a:solidFill>
+                <a:effectLst/>
+                <a:latin typeface="LatoWeb"/>
+              </a:rPr>
+              <a:t>Slides include an overview or sitemap of ALL pages on the website. COMPREHENSIVELY explains the overall structure of the website and how different pages will be navigated.:</a:t>
+            </a:r>
+          </a:p>
+          <a:p>
+            <a:endParaRPr lang="en-US" dirty="0"/>
+          </a:p>
+          <a:p>
+            <a:r>
               <a:rPr lang="en-US" dirty="0"/>
               <a:t>The site will have four webpages linked via the navbar</a:t>
             </a:r>
           </a:p>
           <a:p>
             <a:r>
-              <a:rPr lang="en-US"/>
-              <a:t>The active </a:t>
-            </a:r>
-            <a:r>
               <a:rPr lang="en-US" dirty="0"/>
-              <a:t>website will have the </a:t>
-            </a:r>
-            <a:r>
-              <a:rPr lang="en-US"/>
-              <a:t>link enlarged</a:t>
+              <a:t>The active website will have the link enlarged</a:t>
             </a:r>
             <a:endParaRPr lang="en-AU" dirty="0"/>
           </a:p>
@@ -736,6 +774,183 @@
           <a:bodyPr/>
           <a:lstStyle/>
           <a:p>
+            <a:r>
+              <a:rPr lang="en-US" dirty="0"/>
+              <a:t>Slides include wireframes/mockups of ALL planned pages of the website. Decision making process is COMPREHENSIVELY explained with regards to the overall aesthetic of the website:</a:t>
+            </a:r>
+          </a:p>
+          <a:p>
+            <a:endParaRPr lang="en-US" dirty="0"/>
+          </a:p>
+          <a:p>
+            <a:endParaRPr lang="en-AU" dirty="0"/>
+          </a:p>
+        </p:txBody>
+      </p:sp>
+      <p:sp>
+        <p:nvSpPr>
+          <p:cNvPr id="4" name="Slide Number Placeholder 3"/>
+          <p:cNvSpPr>
+            <a:spLocks noGrp="1"/>
+          </p:cNvSpPr>
+          <p:nvPr>
+            <p:ph type="sldNum" sz="quarter" idx="5"/>
+          </p:nvPr>
+        </p:nvSpPr>
+        <p:spPr/>
+        <p:txBody>
+          <a:bodyPr/>
+          <a:lstStyle/>
+          <a:p>
+            <a:fld id="{F2CDB635-7B31-431F-89D8-D4EEBB1B30CC}" type="slidenum">
+              <a:rPr lang="en-AU" smtClean="0"/>
+              <a:t>4</a:t>
+            </a:fld>
+            <a:endParaRPr lang="en-AU"/>
+          </a:p>
+        </p:txBody>
+      </p:sp>
+    </p:spTree>
+    <p:extLst>
+      <p:ext uri="{BB962C8B-B14F-4D97-AF65-F5344CB8AC3E}">
+        <p14:creationId xmlns:p14="http://schemas.microsoft.com/office/powerpoint/2010/main" val="3459785212"/>
+      </p:ext>
+    </p:extLst>
+  </p:cSld>
+  <p:clrMapOvr>
+    <a:masterClrMapping/>
+  </p:clrMapOvr>
+</p:notes>
+</file>
+
+<file path=ppt/notesSlides/notesSlide4.xml><?xml version="1.0" encoding="utf-8"?>
+<p:notes xmlns:a="http://schemas.openxmlformats.org/drawingml/2006/main" xmlns:r="http://schemas.openxmlformats.org/officeDocument/2006/relationships" xmlns:p="http://schemas.openxmlformats.org/presentationml/2006/main">
+  <p:cSld>
+    <p:spTree>
+      <p:nvGrpSpPr>
+        <p:cNvPr id="1" name=""/>
+        <p:cNvGrpSpPr/>
+        <p:nvPr/>
+      </p:nvGrpSpPr>
+      <p:grpSpPr>
+        <a:xfrm>
+          <a:off x="0" y="0"/>
+          <a:ext cx="0" cy="0"/>
+          <a:chOff x="0" y="0"/>
+          <a:chExt cx="0" cy="0"/>
+        </a:xfrm>
+      </p:grpSpPr>
+      <p:sp>
+        <p:nvSpPr>
+          <p:cNvPr id="2" name="Slide Image Placeholder 1"/>
+          <p:cNvSpPr>
+            <a:spLocks noGrp="1" noRot="1" noChangeAspect="1"/>
+          </p:cNvSpPr>
+          <p:nvPr>
+            <p:ph type="sldImg"/>
+          </p:nvPr>
+        </p:nvSpPr>
+        <p:spPr/>
+      </p:sp>
+      <p:sp>
+        <p:nvSpPr>
+          <p:cNvPr id="3" name="Notes Placeholder 2"/>
+          <p:cNvSpPr>
+            <a:spLocks noGrp="1"/>
+          </p:cNvSpPr>
+          <p:nvPr>
+            <p:ph type="body" idx="1"/>
+          </p:nvPr>
+        </p:nvSpPr>
+        <p:spPr/>
+        <p:txBody>
+          <a:bodyPr/>
+          <a:lstStyle/>
+          <a:p>
+            <a:endParaRPr lang="en-AU" dirty="0"/>
+          </a:p>
+        </p:txBody>
+      </p:sp>
+      <p:sp>
+        <p:nvSpPr>
+          <p:cNvPr id="4" name="Slide Number Placeholder 3"/>
+          <p:cNvSpPr>
+            <a:spLocks noGrp="1"/>
+          </p:cNvSpPr>
+          <p:nvPr>
+            <p:ph type="sldNum" sz="quarter" idx="5"/>
+          </p:nvPr>
+        </p:nvSpPr>
+        <p:spPr/>
+        <p:txBody>
+          <a:bodyPr/>
+          <a:lstStyle/>
+          <a:p>
+            <a:fld id="{F2CDB635-7B31-431F-89D8-D4EEBB1B30CC}" type="slidenum">
+              <a:rPr lang="en-AU" smtClean="0"/>
+              <a:t>5</a:t>
+            </a:fld>
+            <a:endParaRPr lang="en-AU"/>
+          </a:p>
+        </p:txBody>
+      </p:sp>
+    </p:spTree>
+    <p:extLst>
+      <p:ext uri="{BB962C8B-B14F-4D97-AF65-F5344CB8AC3E}">
+        <p14:creationId xmlns:p14="http://schemas.microsoft.com/office/powerpoint/2010/main" val="3002569078"/>
+      </p:ext>
+    </p:extLst>
+  </p:cSld>
+  <p:clrMapOvr>
+    <a:masterClrMapping/>
+  </p:clrMapOvr>
+</p:notes>
+</file>
+
+<file path=ppt/notesSlides/notesSlide5.xml><?xml version="1.0" encoding="utf-8"?>
+<p:notes xmlns:a="http://schemas.openxmlformats.org/drawingml/2006/main" xmlns:r="http://schemas.openxmlformats.org/officeDocument/2006/relationships" xmlns:p="http://schemas.openxmlformats.org/presentationml/2006/main">
+  <p:cSld>
+    <p:spTree>
+      <p:nvGrpSpPr>
+        <p:cNvPr id="1" name=""/>
+        <p:cNvGrpSpPr/>
+        <p:nvPr/>
+      </p:nvGrpSpPr>
+      <p:grpSpPr>
+        <a:xfrm>
+          <a:off x="0" y="0"/>
+          <a:ext cx="0" cy="0"/>
+          <a:chOff x="0" y="0"/>
+          <a:chExt cx="0" cy="0"/>
+        </a:xfrm>
+      </p:grpSpPr>
+      <p:sp>
+        <p:nvSpPr>
+          <p:cNvPr id="2" name="Slide Image Placeholder 1"/>
+          <p:cNvSpPr>
+            <a:spLocks noGrp="1" noRot="1" noChangeAspect="1"/>
+          </p:cNvSpPr>
+          <p:nvPr>
+            <p:ph type="sldImg"/>
+          </p:nvPr>
+        </p:nvSpPr>
+        <p:spPr/>
+      </p:sp>
+      <p:sp>
+        <p:nvSpPr>
+          <p:cNvPr id="3" name="Notes Placeholder 2"/>
+          <p:cNvSpPr>
+            <a:spLocks noGrp="1"/>
+          </p:cNvSpPr>
+          <p:nvPr>
+            <p:ph type="body" idx="1"/>
+          </p:nvPr>
+        </p:nvSpPr>
+        <p:spPr/>
+        <p:txBody>
+          <a:bodyPr/>
+          <a:lstStyle/>
+          <a:p>
             <a:pPr marL="0" marR="0" lvl="0" indent="0" algn="l" defTabSz="914400" rtl="0" eaLnBrk="1" fontAlgn="auto" latinLnBrk="0" hangingPunct="1">
               <a:lnSpc>
                 <a:spcPct val="100000"/>
@@ -754,8 +969,14 @@
               <a:defRPr/>
             </a:pPr>
             <a:r>
-              <a:rPr lang="en-AU" dirty="0"/>
-              <a:t>Nav Bar – expanding on the mobile, LHS for tablet and PC</a:t>
+              <a:rPr lang="en-US" b="0" i="0" dirty="0">
+                <a:solidFill>
+                  <a:srgbClr val="2D3B45"/>
+                </a:solidFill>
+                <a:effectLst/>
+                <a:latin typeface="LatoWeb"/>
+              </a:rPr>
+              <a:t>Slides include a VERY DETAILED list of components that will be used. A COMPREHENSIVE explanation is given as to how components and styling will engage the audience:</a:t>
             </a:r>
           </a:p>
           <a:p>
@@ -776,10 +997,7 @@
               <a:tabLst/>
               <a:defRPr/>
             </a:pPr>
-            <a:r>
-              <a:rPr lang="en-US" dirty="0"/>
-              <a:t>Photo ID – Photo of Andrew Duggan</a:t>
-            </a:r>
+            <a:endParaRPr lang="en-AU" dirty="0"/>
           </a:p>
           <a:p>
             <a:pPr marL="0" marR="0" lvl="0" indent="0" algn="l" defTabSz="914400" rtl="0" eaLnBrk="1" fontAlgn="auto" latinLnBrk="0" hangingPunct="1">
@@ -801,6 +1019,75 @@
             </a:pPr>
             <a:r>
               <a:rPr lang="en-AU" dirty="0"/>
+              <a:t>Main Page</a:t>
+            </a:r>
+          </a:p>
+          <a:p>
+            <a:pPr marL="0" marR="0" lvl="0" indent="0" algn="l" defTabSz="914400" rtl="0" eaLnBrk="1" fontAlgn="auto" latinLnBrk="0" hangingPunct="1">
+              <a:lnSpc>
+                <a:spcPct val="100000"/>
+              </a:lnSpc>
+              <a:spcBef>
+                <a:spcPts val="0"/>
+              </a:spcBef>
+              <a:spcAft>
+                <a:spcPts val="0"/>
+              </a:spcAft>
+              <a:buClrTx/>
+              <a:buSzTx/>
+              <a:buFontTx/>
+              <a:buNone/>
+              <a:tabLst/>
+              <a:defRPr/>
+            </a:pPr>
+            <a:r>
+              <a:rPr lang="en-AU" dirty="0"/>
+              <a:t>Nav Bar – expanding on the mobile, LHS for tablet and PC</a:t>
+            </a:r>
+          </a:p>
+          <a:p>
+            <a:pPr marL="0" marR="0" lvl="0" indent="0" algn="l" defTabSz="914400" rtl="0" eaLnBrk="1" fontAlgn="auto" latinLnBrk="0" hangingPunct="1">
+              <a:lnSpc>
+                <a:spcPct val="100000"/>
+              </a:lnSpc>
+              <a:spcBef>
+                <a:spcPts val="0"/>
+              </a:spcBef>
+              <a:spcAft>
+                <a:spcPts val="0"/>
+              </a:spcAft>
+              <a:buClrTx/>
+              <a:buSzTx/>
+              <a:buFontTx/>
+              <a:buNone/>
+              <a:tabLst/>
+              <a:defRPr/>
+            </a:pPr>
+            <a:r>
+              <a:rPr lang="en-US" dirty="0"/>
+              <a:t>Photo ID – Photo of Andrew Duggan</a:t>
+            </a:r>
+          </a:p>
+          <a:p>
+            <a:pPr marL="0" marR="0" lvl="0" indent="0" algn="l" defTabSz="914400" rtl="0" eaLnBrk="1" fontAlgn="auto" latinLnBrk="0" hangingPunct="1">
+              <a:lnSpc>
+                <a:spcPct val="100000"/>
+              </a:lnSpc>
+              <a:spcBef>
+                <a:spcPts val="0"/>
+              </a:spcBef>
+              <a:spcAft>
+                <a:spcPts val="0"/>
+              </a:spcAft>
+              <a:buClrTx/>
+              <a:buSzTx/>
+              <a:buFontTx/>
+              <a:buNone/>
+              <a:tabLst/>
+              <a:defRPr/>
+            </a:pPr>
+            <a:r>
+              <a:rPr lang="en-AU" dirty="0"/>
               <a:t>Adapting Behaviour and </a:t>
             </a:r>
             <a:r>
@@ -810,6 +1097,72 @@
             <a:r>
               <a:rPr lang="en-AU" dirty="0"/>
               <a:t> Solutions logo’s for the companies that I work for</a:t>
+            </a:r>
+          </a:p>
+          <a:p>
+            <a:pPr marL="0" marR="0" lvl="0" indent="0" algn="l" defTabSz="914400" rtl="0" eaLnBrk="1" fontAlgn="auto" latinLnBrk="0" hangingPunct="1">
+              <a:lnSpc>
+                <a:spcPct val="100000"/>
+              </a:lnSpc>
+              <a:spcBef>
+                <a:spcPts val="0"/>
+              </a:spcBef>
+              <a:spcAft>
+                <a:spcPts val="0"/>
+              </a:spcAft>
+              <a:buClrTx/>
+              <a:buSzTx/>
+              <a:buFontTx/>
+              <a:buNone/>
+              <a:tabLst/>
+              <a:defRPr/>
+            </a:pPr>
+            <a:endParaRPr lang="en-AU" dirty="0"/>
+          </a:p>
+          <a:p>
+            <a:pPr marL="0" marR="0" lvl="0" indent="0" algn="l" defTabSz="914400" rtl="0" eaLnBrk="1" fontAlgn="auto" latinLnBrk="0" hangingPunct="1">
+              <a:lnSpc>
+                <a:spcPct val="100000"/>
+              </a:lnSpc>
+              <a:spcBef>
+                <a:spcPts val="0"/>
+              </a:spcBef>
+              <a:spcAft>
+                <a:spcPts val="0"/>
+              </a:spcAft>
+              <a:buClrTx/>
+              <a:buSzTx/>
+              <a:buFontTx/>
+              <a:buNone/>
+              <a:tabLst/>
+              <a:defRPr/>
+            </a:pPr>
+            <a:r>
+              <a:rPr lang="en-AU" dirty="0"/>
+              <a:t>Contact me</a:t>
+            </a:r>
+          </a:p>
+          <a:p>
+            <a:pPr marL="0" marR="0" lvl="0" indent="0" algn="l" defTabSz="914400" rtl="0" eaLnBrk="1" fontAlgn="auto" latinLnBrk="0" hangingPunct="1">
+              <a:lnSpc>
+                <a:spcPct val="100000"/>
+              </a:lnSpc>
+              <a:spcBef>
+                <a:spcPts val="0"/>
+              </a:spcBef>
+              <a:spcAft>
+                <a:spcPts val="0"/>
+              </a:spcAft>
+              <a:buClrTx/>
+              <a:buSzTx/>
+              <a:buFontTx/>
+              <a:buNone/>
+              <a:tabLst/>
+              <a:defRPr/>
+            </a:pPr>
+            <a:r>
+              <a:rPr lang="en-AU" dirty="0"/>
+              <a:t>LinkedIn logo with</a:t>
             </a:r>
           </a:p>
           <a:p>
@@ -1002,7 +1355,7 @@
           <a:p>
             <a:fld id="{FF7683D8-E5D5-4DC2-8936-B21960710D3C}" type="datetimeFigureOut">
               <a:rPr lang="en-AU" smtClean="0"/>
-              <a:t>8/03/2021</a:t>
+              <a:t>09/03/2021</a:t>
             </a:fld>
             <a:endParaRPr lang="en-AU"/>
           </a:p>
@@ -1202,7 +1555,7 @@
           <a:p>
             <a:fld id="{FF7683D8-E5D5-4DC2-8936-B21960710D3C}" type="datetimeFigureOut">
               <a:rPr lang="en-AU" smtClean="0"/>
-              <a:t>8/03/2021</a:t>
+              <a:t>09/03/2021</a:t>
             </a:fld>
             <a:endParaRPr lang="en-AU"/>
           </a:p>
@@ -1412,7 +1765,7 @@
           <a:p>
             <a:fld id="{FF7683D8-E5D5-4DC2-8936-B21960710D3C}" type="datetimeFigureOut">
               <a:rPr lang="en-AU" smtClean="0"/>
-              <a:t>8/03/2021</a:t>
+              <a:t>09/03/2021</a:t>
             </a:fld>
             <a:endParaRPr lang="en-AU"/>
           </a:p>
@@ -1612,7 +1965,7 @@
           <a:p>
             <a:fld id="{FF7683D8-E5D5-4DC2-8936-B21960710D3C}" type="datetimeFigureOut">
               <a:rPr lang="en-AU" smtClean="0"/>
-              <a:t>8/03/2021</a:t>
+              <a:t>09/03/2021</a:t>
             </a:fld>
             <a:endParaRPr lang="en-AU"/>
           </a:p>
@@ -1888,7 +2241,7 @@
           <a:p>
             <a:fld id="{FF7683D8-E5D5-4DC2-8936-B21960710D3C}" type="datetimeFigureOut">
               <a:rPr lang="en-AU" smtClean="0"/>
-              <a:t>8/03/2021</a:t>
+              <a:t>09/03/2021</a:t>
             </a:fld>
             <a:endParaRPr lang="en-AU"/>
           </a:p>
@@ -2156,7 +2509,7 @@
           <a:p>
             <a:fld id="{FF7683D8-E5D5-4DC2-8936-B21960710D3C}" type="datetimeFigureOut">
               <a:rPr lang="en-AU" smtClean="0"/>
-              <a:t>8/03/2021</a:t>
+              <a:t>09/03/2021</a:t>
             </a:fld>
             <a:endParaRPr lang="en-AU"/>
           </a:p>
@@ -2571,7 +2924,7 @@
           <a:p>
             <a:fld id="{FF7683D8-E5D5-4DC2-8936-B21960710D3C}" type="datetimeFigureOut">
               <a:rPr lang="en-AU" smtClean="0"/>
-              <a:t>8/03/2021</a:t>
+              <a:t>09/03/2021</a:t>
             </a:fld>
             <a:endParaRPr lang="en-AU"/>
           </a:p>
@@ -2713,7 +3066,7 @@
           <a:p>
             <a:fld id="{FF7683D8-E5D5-4DC2-8936-B21960710D3C}" type="datetimeFigureOut">
               <a:rPr lang="en-AU" smtClean="0"/>
-              <a:t>8/03/2021</a:t>
+              <a:t>09/03/2021</a:t>
             </a:fld>
             <a:endParaRPr lang="en-AU"/>
           </a:p>
@@ -2826,7 +3179,7 @@
           <a:p>
             <a:fld id="{FF7683D8-E5D5-4DC2-8936-B21960710D3C}" type="datetimeFigureOut">
               <a:rPr lang="en-AU" smtClean="0"/>
-              <a:t>8/03/2021</a:t>
+              <a:t>09/03/2021</a:t>
             </a:fld>
             <a:endParaRPr lang="en-AU"/>
           </a:p>
@@ -3139,7 +3492,7 @@
           <a:p>
             <a:fld id="{FF7683D8-E5D5-4DC2-8936-B21960710D3C}" type="datetimeFigureOut">
               <a:rPr lang="en-AU" smtClean="0"/>
-              <a:t>8/03/2021</a:t>
+              <a:t>09/03/2021</a:t>
             </a:fld>
             <a:endParaRPr lang="en-AU"/>
           </a:p>
@@ -3428,7 +3781,7 @@
           <a:p>
             <a:fld id="{FF7683D8-E5D5-4DC2-8936-B21960710D3C}" type="datetimeFigureOut">
               <a:rPr lang="en-AU" smtClean="0"/>
-              <a:t>8/03/2021</a:t>
+              <a:t>09/03/2021</a:t>
             </a:fld>
             <a:endParaRPr lang="en-AU"/>
           </a:p>
@@ -3671,7 +4024,7 @@
           <a:p>
             <a:fld id="{FF7683D8-E5D5-4DC2-8936-B21960710D3C}" type="datetimeFigureOut">
               <a:rPr lang="en-AU" smtClean="0"/>
-              <a:t>8/03/2021</a:t>
+              <a:t>09/03/2021</a:t>
             </a:fld>
             <a:endParaRPr lang="en-AU"/>
           </a:p>
@@ -4744,10 +5097,10 @@
       </p:sp>
       <p:pic>
         <p:nvPicPr>
-          <p:cNvPr id="15" name="Picture 14" descr="Graphical user interface, text&#10;&#10;Description automatically generated">
-            <a:extLst>
-              <a:ext uri="{FF2B5EF4-FFF2-40B4-BE49-F238E27FC236}">
-                <a16:creationId xmlns:a16="http://schemas.microsoft.com/office/drawing/2014/main" id="{B22DAE19-A596-4F6F-A44F-06428EA27216}"/>
+          <p:cNvPr id="8" name="Picture 7" descr="Graphical user interface, text&#10;&#10;Description automatically generated">
+            <a:extLst>
+              <a:ext uri="{FF2B5EF4-FFF2-40B4-BE49-F238E27FC236}">
+                <a16:creationId xmlns:a16="http://schemas.microsoft.com/office/drawing/2014/main" id="{557E018C-0A91-4AAE-8A88-44E68B5A8E12}"/>
               </a:ext>
             </a:extLst>
           </p:cNvPr>
@@ -4757,7 +5110,7 @@
           <p:nvPr/>
         </p:nvPicPr>
         <p:blipFill>
-          <a:blip r:embed="rId2">
+          <a:blip r:embed="rId3">
             <a:extLst>
               <a:ext uri="{28A0092B-C50C-407E-A947-70E740481C1C}">
                 <a14:useLocalDpi xmlns:a14="http://schemas.microsoft.com/office/drawing/2010/main" val="0"/>
@@ -4770,8 +5123,8 @@
         </p:blipFill>
         <p:spPr>
           <a:xfrm>
-            <a:off x="301017" y="1644333"/>
-            <a:ext cx="11589965" cy="4500000"/>
+            <a:off x="540000" y="1800000"/>
+            <a:ext cx="11126367" cy="4320000"/>
           </a:xfrm>
           <a:prstGeom prst="rect">
             <a:avLst/>
@@ -4840,10 +5193,10 @@
       </p:sp>
       <p:pic>
         <p:nvPicPr>
-          <p:cNvPr id="7" name="Picture 6" descr="Graphical user interface, text, application&#10;&#10;Description automatically generated">
-            <a:extLst>
-              <a:ext uri="{FF2B5EF4-FFF2-40B4-BE49-F238E27FC236}">
-                <a16:creationId xmlns:a16="http://schemas.microsoft.com/office/drawing/2014/main" id="{43033826-55D2-4027-A5C8-39E93AAB6473}"/>
+          <p:cNvPr id="4" name="Picture 3" descr="Graphical user interface, text, application&#10;&#10;Description automatically generated">
+            <a:extLst>
+              <a:ext uri="{FF2B5EF4-FFF2-40B4-BE49-F238E27FC236}">
+                <a16:creationId xmlns:a16="http://schemas.microsoft.com/office/drawing/2014/main" id="{AF85CFE7-21E8-43D1-A28F-6A40C416D2C3}"/>
               </a:ext>
             </a:extLst>
           </p:cNvPr>
@@ -4853,7 +5206,7 @@
           <p:nvPr/>
         </p:nvPicPr>
         <p:blipFill>
-          <a:blip r:embed="rId2">
+          <a:blip r:embed="rId3">
             <a:extLst>
               <a:ext uri="{28A0092B-C50C-407E-A947-70E740481C1C}">
                 <a14:useLocalDpi xmlns:a14="http://schemas.microsoft.com/office/drawing/2010/main" val="0"/>
@@ -4866,8 +5219,8 @@
         </p:blipFill>
         <p:spPr>
           <a:xfrm>
-            <a:off x="302400" y="1645200"/>
-            <a:ext cx="11589964" cy="4500000"/>
+            <a:off x="540000" y="1800000"/>
+            <a:ext cx="11126367" cy="4320000"/>
           </a:xfrm>
           <a:prstGeom prst="rect">
             <a:avLst/>
@@ -4936,10 +5289,10 @@
       </p:sp>
       <p:pic>
         <p:nvPicPr>
-          <p:cNvPr id="7" name="Picture 6" descr="Graphical user interface, application&#10;&#10;Description automatically generated">
-            <a:extLst>
-              <a:ext uri="{FF2B5EF4-FFF2-40B4-BE49-F238E27FC236}">
-                <a16:creationId xmlns:a16="http://schemas.microsoft.com/office/drawing/2014/main" id="{637F0348-410F-490E-A502-FECCA72F636A}"/>
+          <p:cNvPr id="4" name="Picture 3" descr="Graphical user interface, application&#10;&#10;Description automatically generated">
+            <a:extLst>
+              <a:ext uri="{FF2B5EF4-FFF2-40B4-BE49-F238E27FC236}">
+                <a16:creationId xmlns:a16="http://schemas.microsoft.com/office/drawing/2014/main" id="{96C4356E-B44F-4363-9F44-D6DB4B897AAA}"/>
               </a:ext>
             </a:extLst>
           </p:cNvPr>
@@ -4962,8 +5315,8 @@
         </p:blipFill>
         <p:spPr>
           <a:xfrm>
-            <a:off x="302400" y="1645200"/>
-            <a:ext cx="11589967" cy="4500000"/>
+            <a:off x="540001" y="1800000"/>
+            <a:ext cx="11126367" cy="4320000"/>
           </a:xfrm>
           <a:prstGeom prst="rect">
             <a:avLst/>
@@ -5032,10 +5385,10 @@
       </p:sp>
       <p:pic>
         <p:nvPicPr>
-          <p:cNvPr id="7" name="Picture 6" descr="Graphical user interface&#10;&#10;Description automatically generated">
-            <a:extLst>
-              <a:ext uri="{FF2B5EF4-FFF2-40B4-BE49-F238E27FC236}">
-                <a16:creationId xmlns:a16="http://schemas.microsoft.com/office/drawing/2014/main" id="{E9E1A5B2-BCA7-4B39-B258-D21C942B0BFA}"/>
+          <p:cNvPr id="4" name="Picture 3" descr="Graphical user interface&#10;&#10;Description automatically generated">
+            <a:extLst>
+              <a:ext uri="{FF2B5EF4-FFF2-40B4-BE49-F238E27FC236}">
+                <a16:creationId xmlns:a16="http://schemas.microsoft.com/office/drawing/2014/main" id="{B395FD71-6584-404F-8AD2-A9BCBC825D60}"/>
               </a:ext>
             </a:extLst>
           </p:cNvPr>
@@ -5058,8 +5411,8 @@
         </p:blipFill>
         <p:spPr>
           <a:xfrm>
-            <a:off x="302400" y="1645200"/>
-            <a:ext cx="11589967" cy="4500000"/>
+            <a:off x="540000" y="1800000"/>
+            <a:ext cx="11126367" cy="4320000"/>
           </a:xfrm>
           <a:prstGeom prst="rect">
             <a:avLst/>
@@ -5190,6 +5543,19 @@
               <a:rPr lang="en-AU" dirty="0"/>
               <a:t>Main box containing the various data for the pages</a:t>
             </a:r>
+          </a:p>
+          <a:p>
+            <a:r>
+              <a:rPr lang="en-AU" dirty="0"/>
+              <a:t>LinkedIn logo</a:t>
+            </a:r>
+          </a:p>
+          <a:p>
+            <a:r>
+              <a:rPr lang="en-AU"/>
+              <a:t>Twitter Logo</a:t>
+            </a:r>
+            <a:endParaRPr lang="en-AU" dirty="0"/>
           </a:p>
         </p:txBody>
       </p:sp>
